--- a/ML with R and Azure.pptx
+++ b/ML with R and Azure.pptx
@@ -20,21 +20,22 @@
     <p:sldId id="265" r:id="rId14"/>
     <p:sldId id="266" r:id="rId15"/>
     <p:sldId id="267" r:id="rId16"/>
+    <p:sldId id="268" r:id="rId17"/>
   </p:sldIdLst>
   <p:sldSz cy="5143500" cx="9144000"/>
   <p:notesSz cx="6858000" cy="9144000"/>
   <p:embeddedFontLst>
     <p:embeddedFont>
       <p:font typeface="Nunito"/>
-      <p:regular r:id="rId17"/>
-      <p:bold r:id="rId18"/>
-      <p:italic r:id="rId19"/>
-      <p:boldItalic r:id="rId20"/>
+      <p:regular r:id="rId18"/>
+      <p:bold r:id="rId19"/>
+      <p:italic r:id="rId20"/>
+      <p:boldItalic r:id="rId21"/>
     </p:embeddedFont>
     <p:embeddedFont>
       <p:font typeface="Maven Pro"/>
-      <p:regular r:id="rId21"/>
-      <p:bold r:id="rId22"/>
+      <p:regular r:id="rId22"/>
+      <p:bold r:id="rId23"/>
     </p:embeddedFont>
   </p:embeddedFontLst>
   <p:defaultTextStyle>
@@ -636,9 +637,165 @@
               <a:buNone/>
             </a:pPr>
             <a:r>
+              <a:rPr lang="en"/>
+              <a:t>NEIGHBORHOOD</a:t>
+            </a:r>
+          </a:p>
+          <a:p>
+            <a:pPr lvl="0">
+              <a:spcBef>
+                <a:spcPts val="0"/>
+              </a:spcBef>
+              <a:buNone/>
+            </a:pPr>
+            <a:r>
+              <a:rPr lang="en"/>
+              <a:t>GIS</a:t>
+            </a:r>
+          </a:p>
+          <a:p>
+            <a:pPr lvl="0">
+              <a:spcBef>
+                <a:spcPts val="0"/>
+              </a:spcBef>
+              <a:buNone/>
+            </a:pPr>
+            <a:r>
+              <a:rPr lang="en"/>
+              <a:t>MILE HIGH</a:t>
+            </a:r>
+          </a:p>
+          <a:p>
+            <a:pPr lvl="0">
+              <a:spcBef>
+                <a:spcPts val="0"/>
+              </a:spcBef>
+              <a:buNone/>
+            </a:pPr>
+            <a:r>
               <a:t/>
             </a:r>
             <a:endParaRPr/>
+          </a:p>
+          <a:p>
+            <a:pPr lvl="0">
+              <a:spcBef>
+                <a:spcPts val="0"/>
+              </a:spcBef>
+              <a:buNone/>
+            </a:pPr>
+            <a:r>
+              <a:t/>
+            </a:r>
+            <a:endParaRPr/>
+          </a:p>
+          <a:p>
+            <a:pPr lvl="0">
+              <a:spcBef>
+                <a:spcPts val="0"/>
+              </a:spcBef>
+              <a:buNone/>
+            </a:pPr>
+            <a:r>
+              <a:t/>
+            </a:r>
+            <a:endParaRPr/>
+          </a:p>
+          <a:p>
+            <a:pPr lvl="0">
+              <a:spcBef>
+                <a:spcPts val="0"/>
+              </a:spcBef>
+              <a:buNone/>
+            </a:pPr>
+            <a:r>
+              <a:rPr lang="en"/>
+              <a:t>Looked at Data and noticed a spike on one day from a single address...  Mile High Stadium.</a:t>
+            </a:r>
+          </a:p>
+          <a:p>
+            <a:pPr lvl="0">
+              <a:spcBef>
+                <a:spcPts val="0"/>
+              </a:spcBef>
+              <a:buNone/>
+            </a:pPr>
+            <a:r>
+              <a:t/>
+            </a:r>
+            <a:endParaRPr/>
+          </a:p>
+          <a:p>
+            <a:pPr lvl="0">
+              <a:spcBef>
+                <a:spcPts val="0"/>
+              </a:spcBef>
+              <a:buNone/>
+            </a:pPr>
+            <a:r>
+              <a:rPr lang="en"/>
+              <a:t>IN THE REAL WORLD , you would want to do this by neighborhood/precinct... </a:t>
+            </a:r>
+          </a:p>
+          <a:p>
+            <a:pPr lvl="0">
+              <a:spcBef>
+                <a:spcPts val="0"/>
+              </a:spcBef>
+              <a:buNone/>
+            </a:pPr>
+            <a:r>
+              <a:rPr lang="en"/>
+              <a:t> And to do that you must use GIS. The ML folks won’t know how to ask..</a:t>
+            </a:r>
+          </a:p>
+          <a:p>
+            <a:pPr indent="457200" lvl="0">
+              <a:spcBef>
+                <a:spcPts val="0"/>
+              </a:spcBef>
+              <a:buNone/>
+            </a:pPr>
+            <a:r>
+              <a:rPr lang="en"/>
+              <a:t>-Which zip or airport do I use to get weather.</a:t>
+            </a:r>
+          </a:p>
+          <a:p>
+            <a:pPr indent="457200" lvl="0">
+              <a:spcBef>
+                <a:spcPts val="0"/>
+              </a:spcBef>
+              <a:buNone/>
+            </a:pPr>
+            <a:r>
+              <a:rPr lang="en"/>
+              <a:t>-Which zips are affected most by Events.. </a:t>
+            </a:r>
+          </a:p>
+          <a:p>
+            <a:pPr lvl="0">
+              <a:spcBef>
+                <a:spcPts val="0"/>
+              </a:spcBef>
+              <a:buNone/>
+            </a:pPr>
+            <a:r>
+              <a:t/>
+            </a:r>
+            <a:endParaRPr/>
+          </a:p>
+          <a:p>
+            <a:pPr lvl="0">
+              <a:spcBef>
+                <a:spcPts val="0"/>
+              </a:spcBef>
+              <a:buNone/>
+            </a:pPr>
+            <a:r>
+              <a:rPr lang="en"/>
+              <a:t>Use R inside your ArcGIS project. </a:t>
+            </a:r>
           </a:p>
         </p:txBody>
       </p:sp>
@@ -724,7 +881,7 @@
           </a:bodyPr>
           <a:lstStyle/>
           <a:p>
-            <a:pPr lvl="0" rtl="0">
+            <a:pPr lvl="0">
               <a:spcBef>
                 <a:spcPts val="0"/>
               </a:spcBef>
@@ -750,7 +907,7 @@
   <p:cSld>
     <p:spTree>
       <p:nvGrpSpPr>
-        <p:cNvPr id="359" name="Shape 359"/>
+        <p:cNvPr id="357" name="Shape 357"/>
         <p:cNvGrpSpPr/>
         <p:nvPr/>
       </p:nvGrpSpPr>
@@ -764,7 +921,7 @@
       </p:grpSpPr>
       <p:sp>
         <p:nvSpPr>
-          <p:cNvPr id="360" name="Shape 360"/>
+          <p:cNvPr id="358" name="Shape 358"/>
           <p:cNvSpPr/>
           <p:nvPr>
             <p:ph idx="2" type="sldImg"/>
@@ -798,7 +955,102 @@
       </p:sp>
       <p:sp>
         <p:nvSpPr>
-          <p:cNvPr id="361" name="Shape 361"/>
+          <p:cNvPr id="359" name="Shape 359"/>
+          <p:cNvSpPr txBox="1"/>
+          <p:nvPr>
+            <p:ph idx="1" type="body"/>
+          </p:nvPr>
+        </p:nvSpPr>
+        <p:spPr>
+          <a:xfrm>
+            <a:off x="685800" y="4343400"/>
+            <a:ext cx="5486400" cy="4114800"/>
+          </a:xfrm>
+          <a:prstGeom prst="rect">
+            <a:avLst/>
+          </a:prstGeom>
+        </p:spPr>
+        <p:txBody>
+          <a:bodyPr anchorCtr="0" anchor="t" bIns="91425" lIns="91425" rIns="91425" wrap="square" tIns="91425">
+            <a:noAutofit/>
+          </a:bodyPr>
+          <a:lstStyle/>
+          <a:p>
+            <a:pPr lvl="0" rtl="0">
+              <a:spcBef>
+                <a:spcPts val="0"/>
+              </a:spcBef>
+              <a:buNone/>
+            </a:pPr>
+            <a:r>
+              <a:t/>
+            </a:r>
+            <a:endParaRPr/>
+          </a:p>
+        </p:txBody>
+      </p:sp>
+    </p:spTree>
+  </p:cSld>
+  <p:clrMapOvr>
+    <a:masterClrMapping/>
+  </p:clrMapOvr>
+</p:notes>
+</file>
+
+<file path=ppt/notesSlides/notesSlide13.xml><?xml version="1.0" encoding="utf-8"?>
+<p:notes xmlns:a="http://schemas.openxmlformats.org/drawingml/2006/main" xmlns:r="http://schemas.openxmlformats.org/officeDocument/2006/relationships" xmlns:mc="http://schemas.openxmlformats.org/markup-compatibility/2006" xmlns:mv="urn:schemas-microsoft-com:mac:vml" xmlns:p="http://schemas.openxmlformats.org/presentationml/2006/main" xmlns:c="http://schemas.openxmlformats.org/drawingml/2006/chart" xmlns:dgm="http://schemas.openxmlformats.org/drawingml/2006/diagram" xmlns:o="urn:schemas-microsoft-com:office:office" xmlns:v="urn:schemas-microsoft-com:vml" xmlns:pvml="urn:schemas-microsoft-com:office:powerpoint" xmlns:com="http://schemas.openxmlformats.org/drawingml/2006/compatibility" xmlns:p14="http://schemas.microsoft.com/office/powerpoint/2010/main" xmlns:p15="http://schemas.microsoft.com/office/powerpoint/2012/main" showMasterPhAnim="0" showMasterSp="0">
+  <p:cSld>
+    <p:spTree>
+      <p:nvGrpSpPr>
+        <p:cNvPr id="366" name="Shape 366"/>
+        <p:cNvGrpSpPr/>
+        <p:nvPr/>
+      </p:nvGrpSpPr>
+      <p:grpSpPr>
+        <a:xfrm>
+          <a:off x="0" y="0"/>
+          <a:ext cx="0" cy="0"/>
+          <a:chOff x="0" y="0"/>
+          <a:chExt cx="0" cy="0"/>
+        </a:xfrm>
+      </p:grpSpPr>
+      <p:sp>
+        <p:nvSpPr>
+          <p:cNvPr id="367" name="Shape 367"/>
+          <p:cNvSpPr/>
+          <p:nvPr>
+            <p:ph idx="2" type="sldImg"/>
+          </p:nvPr>
+        </p:nvSpPr>
+        <p:spPr>
+          <a:xfrm>
+            <a:off x="381300" y="685800"/>
+            <a:ext cx="6096000" cy="3429000"/>
+          </a:xfrm>
+          <a:custGeom>
+            <a:pathLst>
+              <a:path extrusionOk="0" h="120000" w="120000">
+                <a:moveTo>
+                  <a:pt x="0" y="0"/>
+                </a:moveTo>
+                <a:lnTo>
+                  <a:pt x="120000" y="0"/>
+                </a:lnTo>
+                <a:lnTo>
+                  <a:pt x="120000" y="120000"/>
+                </a:lnTo>
+                <a:lnTo>
+                  <a:pt x="0" y="120000"/>
+                </a:lnTo>
+                <a:close/>
+              </a:path>
+            </a:pathLst>
+          </a:custGeom>
+        </p:spPr>
+      </p:sp>
+      <p:sp>
+        <p:nvSpPr>
+          <p:cNvPr id="368" name="Shape 368"/>
           <p:cNvSpPr txBox="1"/>
           <p:nvPr>
             <p:ph idx="1" type="body"/>
@@ -1104,6 +1356,101 @@
           </a:bodyPr>
           <a:lstStyle/>
           <a:p>
+            <a:pPr lvl="0">
+              <a:spcBef>
+                <a:spcPts val="0"/>
+              </a:spcBef>
+              <a:buNone/>
+            </a:pPr>
+            <a:r>
+              <a:t/>
+            </a:r>
+            <a:endParaRPr/>
+          </a:p>
+        </p:txBody>
+      </p:sp>
+    </p:spTree>
+  </p:cSld>
+  <p:clrMapOvr>
+    <a:masterClrMapping/>
+  </p:clrMapOvr>
+</p:notes>
+</file>
+
+<file path=ppt/notesSlides/notesSlide5.xml><?xml version="1.0" encoding="utf-8"?>
+<p:notes xmlns:a="http://schemas.openxmlformats.org/drawingml/2006/main" xmlns:r="http://schemas.openxmlformats.org/officeDocument/2006/relationships" xmlns:mc="http://schemas.openxmlformats.org/markup-compatibility/2006" xmlns:mv="urn:schemas-microsoft-com:mac:vml" xmlns:p="http://schemas.openxmlformats.org/presentationml/2006/main" xmlns:c="http://schemas.openxmlformats.org/drawingml/2006/chart" xmlns:dgm="http://schemas.openxmlformats.org/drawingml/2006/diagram" xmlns:o="urn:schemas-microsoft-com:office:office" xmlns:v="urn:schemas-microsoft-com:vml" xmlns:pvml="urn:schemas-microsoft-com:office:powerpoint" xmlns:com="http://schemas.openxmlformats.org/drawingml/2006/compatibility" xmlns:p14="http://schemas.microsoft.com/office/powerpoint/2010/main" xmlns:p15="http://schemas.microsoft.com/office/powerpoint/2012/main" showMasterPhAnim="0" showMasterSp="0">
+  <p:cSld>
+    <p:spTree>
+      <p:nvGrpSpPr>
+        <p:cNvPr id="303" name="Shape 303"/>
+        <p:cNvGrpSpPr/>
+        <p:nvPr/>
+      </p:nvGrpSpPr>
+      <p:grpSpPr>
+        <a:xfrm>
+          <a:off x="0" y="0"/>
+          <a:ext cx="0" cy="0"/>
+          <a:chOff x="0" y="0"/>
+          <a:chExt cx="0" cy="0"/>
+        </a:xfrm>
+      </p:grpSpPr>
+      <p:sp>
+        <p:nvSpPr>
+          <p:cNvPr id="304" name="Shape 304"/>
+          <p:cNvSpPr/>
+          <p:nvPr>
+            <p:ph idx="2" type="sldImg"/>
+          </p:nvPr>
+        </p:nvSpPr>
+        <p:spPr>
+          <a:xfrm>
+            <a:off x="381300" y="685800"/>
+            <a:ext cx="6096000" cy="3429000"/>
+          </a:xfrm>
+          <a:custGeom>
+            <a:pathLst>
+              <a:path extrusionOk="0" h="120000" w="120000">
+                <a:moveTo>
+                  <a:pt x="0" y="0"/>
+                </a:moveTo>
+                <a:lnTo>
+                  <a:pt x="120000" y="0"/>
+                </a:lnTo>
+                <a:lnTo>
+                  <a:pt x="120000" y="120000"/>
+                </a:lnTo>
+                <a:lnTo>
+                  <a:pt x="0" y="120000"/>
+                </a:lnTo>
+                <a:close/>
+              </a:path>
+            </a:pathLst>
+          </a:custGeom>
+        </p:spPr>
+      </p:sp>
+      <p:sp>
+        <p:nvSpPr>
+          <p:cNvPr id="305" name="Shape 305"/>
+          <p:cNvSpPr txBox="1"/>
+          <p:nvPr>
+            <p:ph idx="1" type="body"/>
+          </p:nvPr>
+        </p:nvSpPr>
+        <p:spPr>
+          <a:xfrm>
+            <a:off x="685800" y="4343400"/>
+            <a:ext cx="5486400" cy="4114800"/>
+          </a:xfrm>
+          <a:prstGeom prst="rect">
+            <a:avLst/>
+          </a:prstGeom>
+        </p:spPr>
+        <p:txBody>
+          <a:bodyPr anchorCtr="0" anchor="t" bIns="91425" lIns="91425" rIns="91425" wrap="square" tIns="91425">
+            <a:noAutofit/>
+          </a:bodyPr>
+          <a:lstStyle/>
+          <a:p>
             <a:pPr lvl="0" rtl="0">
               <a:lnSpc>
                 <a:spcPct val="115000"/>
@@ -1200,12 +1547,12 @@
 </p:notes>
 </file>
 
-<file path=ppt/notesSlides/notesSlide5.xml><?xml version="1.0" encoding="utf-8"?>
+<file path=ppt/notesSlides/notesSlide6.xml><?xml version="1.0" encoding="utf-8"?>
 <p:notes xmlns:a="http://schemas.openxmlformats.org/drawingml/2006/main" xmlns:r="http://schemas.openxmlformats.org/officeDocument/2006/relationships" xmlns:mc="http://schemas.openxmlformats.org/markup-compatibility/2006" xmlns:mv="urn:schemas-microsoft-com:mac:vml" xmlns:p="http://schemas.openxmlformats.org/presentationml/2006/main" xmlns:c="http://schemas.openxmlformats.org/drawingml/2006/chart" xmlns:dgm="http://schemas.openxmlformats.org/drawingml/2006/diagram" xmlns:o="urn:schemas-microsoft-com:office:office" xmlns:v="urn:schemas-microsoft-com:vml" xmlns:pvml="urn:schemas-microsoft-com:office:powerpoint" xmlns:com="http://schemas.openxmlformats.org/drawingml/2006/compatibility" xmlns:p14="http://schemas.microsoft.com/office/powerpoint/2010/main" xmlns:p15="http://schemas.microsoft.com/office/powerpoint/2012/main" showMasterPhAnim="0" showMasterSp="0">
   <p:cSld>
     <p:spTree>
       <p:nvGrpSpPr>
-        <p:cNvPr id="304" name="Shape 304"/>
+        <p:cNvPr id="311" name="Shape 311"/>
         <p:cNvGrpSpPr/>
         <p:nvPr/>
       </p:nvGrpSpPr>
@@ -1219,7 +1566,7 @@
       </p:grpSpPr>
       <p:sp>
         <p:nvSpPr>
-          <p:cNvPr id="305" name="Shape 305"/>
+          <p:cNvPr id="312" name="Shape 312"/>
           <p:cNvSpPr/>
           <p:nvPr>
             <p:ph idx="2" type="sldImg"/>
@@ -1253,7 +1600,7 @@
       </p:sp>
       <p:sp>
         <p:nvSpPr>
-          <p:cNvPr id="306" name="Shape 306"/>
+          <p:cNvPr id="313" name="Shape 313"/>
           <p:cNvSpPr txBox="1"/>
           <p:nvPr>
             <p:ph idx="1" type="body"/>
@@ -1319,12 +1666,12 @@
 </p:notes>
 </file>
 
-<file path=ppt/notesSlides/notesSlide6.xml><?xml version="1.0" encoding="utf-8"?>
+<file path=ppt/notesSlides/notesSlide7.xml><?xml version="1.0" encoding="utf-8"?>
 <p:notes xmlns:a="http://schemas.openxmlformats.org/drawingml/2006/main" xmlns:r="http://schemas.openxmlformats.org/officeDocument/2006/relationships" xmlns:mc="http://schemas.openxmlformats.org/markup-compatibility/2006" xmlns:mv="urn:schemas-microsoft-com:mac:vml" xmlns:p="http://schemas.openxmlformats.org/presentationml/2006/main" xmlns:c="http://schemas.openxmlformats.org/drawingml/2006/chart" xmlns:dgm="http://schemas.openxmlformats.org/drawingml/2006/diagram" xmlns:o="urn:schemas-microsoft-com:office:office" xmlns:v="urn:schemas-microsoft-com:vml" xmlns:pvml="urn:schemas-microsoft-com:office:powerpoint" xmlns:com="http://schemas.openxmlformats.org/drawingml/2006/compatibility" xmlns:p14="http://schemas.microsoft.com/office/powerpoint/2010/main" xmlns:p15="http://schemas.microsoft.com/office/powerpoint/2012/main" showMasterPhAnim="0" showMasterSp="0">
   <p:cSld>
     <p:spTree>
       <p:nvGrpSpPr>
-        <p:cNvPr id="312" name="Shape 312"/>
+        <p:cNvPr id="319" name="Shape 319"/>
         <p:cNvGrpSpPr/>
         <p:nvPr/>
       </p:nvGrpSpPr>
@@ -1338,7 +1685,7 @@
       </p:grpSpPr>
       <p:sp>
         <p:nvSpPr>
-          <p:cNvPr id="313" name="Shape 313"/>
+          <p:cNvPr id="320" name="Shape 320"/>
           <p:cNvSpPr/>
           <p:nvPr>
             <p:ph idx="2" type="sldImg"/>
@@ -1372,7 +1719,7 @@
       </p:sp>
       <p:sp>
         <p:nvSpPr>
-          <p:cNvPr id="314" name="Shape 314"/>
+          <p:cNvPr id="321" name="Shape 321"/>
           <p:cNvSpPr txBox="1"/>
           <p:nvPr>
             <p:ph idx="1" type="body"/>
@@ -1522,12 +1869,12 @@
 </p:notes>
 </file>
 
-<file path=ppt/notesSlides/notesSlide7.xml><?xml version="1.0" encoding="utf-8"?>
+<file path=ppt/notesSlides/notesSlide8.xml><?xml version="1.0" encoding="utf-8"?>
 <p:notes xmlns:a="http://schemas.openxmlformats.org/drawingml/2006/main" xmlns:r="http://schemas.openxmlformats.org/officeDocument/2006/relationships" xmlns:mc="http://schemas.openxmlformats.org/markup-compatibility/2006" xmlns:mv="urn:schemas-microsoft-com:mac:vml" xmlns:p="http://schemas.openxmlformats.org/presentationml/2006/main" xmlns:c="http://schemas.openxmlformats.org/drawingml/2006/chart" xmlns:dgm="http://schemas.openxmlformats.org/drawingml/2006/diagram" xmlns:o="urn:schemas-microsoft-com:office:office" xmlns:v="urn:schemas-microsoft-com:vml" xmlns:pvml="urn:schemas-microsoft-com:office:powerpoint" xmlns:com="http://schemas.openxmlformats.org/drawingml/2006/compatibility" xmlns:p14="http://schemas.microsoft.com/office/powerpoint/2010/main" xmlns:p15="http://schemas.microsoft.com/office/powerpoint/2012/main" showMasterPhAnim="0" showMasterSp="0">
   <p:cSld>
     <p:spTree>
       <p:nvGrpSpPr>
-        <p:cNvPr id="320" name="Shape 320"/>
+        <p:cNvPr id="327" name="Shape 327"/>
         <p:cNvGrpSpPr/>
         <p:nvPr/>
       </p:nvGrpSpPr>
@@ -1541,7 +1888,7 @@
       </p:grpSpPr>
       <p:sp>
         <p:nvSpPr>
-          <p:cNvPr id="321" name="Shape 321"/>
+          <p:cNvPr id="328" name="Shape 328"/>
           <p:cNvSpPr/>
           <p:nvPr>
             <p:ph idx="2" type="sldImg"/>
@@ -1575,7 +1922,7 @@
       </p:sp>
       <p:sp>
         <p:nvSpPr>
-          <p:cNvPr id="322" name="Shape 322"/>
+          <p:cNvPr id="329" name="Shape 329"/>
           <p:cNvSpPr txBox="1"/>
           <p:nvPr>
             <p:ph idx="1" type="body"/>
@@ -1642,185 +1989,6 @@
               <a:t/>
             </a:r>
             <a:endParaRPr/>
-          </a:p>
-        </p:txBody>
-      </p:sp>
-    </p:spTree>
-  </p:cSld>
-  <p:clrMapOvr>
-    <a:masterClrMapping/>
-  </p:clrMapOvr>
-</p:notes>
-</file>
-
-<file path=ppt/notesSlides/notesSlide8.xml><?xml version="1.0" encoding="utf-8"?>
-<p:notes xmlns:a="http://schemas.openxmlformats.org/drawingml/2006/main" xmlns:r="http://schemas.openxmlformats.org/officeDocument/2006/relationships" xmlns:mc="http://schemas.openxmlformats.org/markup-compatibility/2006" xmlns:mv="urn:schemas-microsoft-com:mac:vml" xmlns:p="http://schemas.openxmlformats.org/presentationml/2006/main" xmlns:c="http://schemas.openxmlformats.org/drawingml/2006/chart" xmlns:dgm="http://schemas.openxmlformats.org/drawingml/2006/diagram" xmlns:o="urn:schemas-microsoft-com:office:office" xmlns:v="urn:schemas-microsoft-com:vml" xmlns:pvml="urn:schemas-microsoft-com:office:powerpoint" xmlns:com="http://schemas.openxmlformats.org/drawingml/2006/compatibility" xmlns:p14="http://schemas.microsoft.com/office/powerpoint/2010/main" xmlns:p15="http://schemas.microsoft.com/office/powerpoint/2012/main" showMasterPhAnim="0" showMasterSp="0">
-  <p:cSld>
-    <p:spTree>
-      <p:nvGrpSpPr>
-        <p:cNvPr id="329" name="Shape 329"/>
-        <p:cNvGrpSpPr/>
-        <p:nvPr/>
-      </p:nvGrpSpPr>
-      <p:grpSpPr>
-        <a:xfrm>
-          <a:off x="0" y="0"/>
-          <a:ext cx="0" cy="0"/>
-          <a:chOff x="0" y="0"/>
-          <a:chExt cx="0" cy="0"/>
-        </a:xfrm>
-      </p:grpSpPr>
-      <p:sp>
-        <p:nvSpPr>
-          <p:cNvPr id="330" name="Shape 330"/>
-          <p:cNvSpPr/>
-          <p:nvPr>
-            <p:ph idx="2" type="sldImg"/>
-          </p:nvPr>
-        </p:nvSpPr>
-        <p:spPr>
-          <a:xfrm>
-            <a:off x="381300" y="685800"/>
-            <a:ext cx="6096000" cy="3429000"/>
-          </a:xfrm>
-          <a:custGeom>
-            <a:pathLst>
-              <a:path extrusionOk="0" h="120000" w="120000">
-                <a:moveTo>
-                  <a:pt x="0" y="0"/>
-                </a:moveTo>
-                <a:lnTo>
-                  <a:pt x="120000" y="0"/>
-                </a:lnTo>
-                <a:lnTo>
-                  <a:pt x="120000" y="120000"/>
-                </a:lnTo>
-                <a:lnTo>
-                  <a:pt x="0" y="120000"/>
-                </a:lnTo>
-                <a:close/>
-              </a:path>
-            </a:pathLst>
-          </a:custGeom>
-        </p:spPr>
-      </p:sp>
-      <p:sp>
-        <p:nvSpPr>
-          <p:cNvPr id="331" name="Shape 331"/>
-          <p:cNvSpPr txBox="1"/>
-          <p:nvPr>
-            <p:ph idx="1" type="body"/>
-          </p:nvPr>
-        </p:nvSpPr>
-        <p:spPr>
-          <a:xfrm>
-            <a:off x="685800" y="4343400"/>
-            <a:ext cx="5486400" cy="4114800"/>
-          </a:xfrm>
-          <a:prstGeom prst="rect">
-            <a:avLst/>
-          </a:prstGeom>
-        </p:spPr>
-        <p:txBody>
-          <a:bodyPr anchorCtr="0" anchor="t" bIns="91425" lIns="91425" rIns="91425" wrap="square" tIns="91425">
-            <a:noAutofit/>
-          </a:bodyPr>
-          <a:lstStyle/>
-          <a:p>
-            <a:pPr lvl="0">
-              <a:spcBef>
-                <a:spcPts val="0"/>
-              </a:spcBef>
-              <a:buNone/>
-            </a:pPr>
-            <a:r>
-              <a:rPr lang="en"/>
-              <a:t>WIDE ADOPTION/ BUT DIFFERENT TUTORIALS</a:t>
-            </a:r>
-          </a:p>
-          <a:p>
-            <a:pPr lvl="0">
-              <a:spcBef>
-                <a:spcPts val="0"/>
-              </a:spcBef>
-              <a:buNone/>
-            </a:pPr>
-            <a:r>
-              <a:rPr lang="en"/>
-              <a:t>LIBRARIES </a:t>
-            </a:r>
-          </a:p>
-          <a:p>
-            <a:pPr lvl="0">
-              <a:spcBef>
-                <a:spcPts val="0"/>
-              </a:spcBef>
-              <a:buNone/>
-            </a:pPr>
-            <a:r>
-              <a:rPr lang="en"/>
-              <a:t>ARCGIS and AZURE</a:t>
-            </a:r>
-          </a:p>
-          <a:p>
-            <a:pPr lvl="0">
-              <a:spcBef>
-                <a:spcPts val="0"/>
-              </a:spcBef>
-              <a:buNone/>
-            </a:pPr>
-            <a:r>
-              <a:t/>
-            </a:r>
-            <a:endParaRPr/>
-          </a:p>
-          <a:p>
-            <a:pPr lvl="0">
-              <a:spcBef>
-                <a:spcPts val="0"/>
-              </a:spcBef>
-              <a:buNone/>
-            </a:pPr>
-            <a:r>
-              <a:rPr lang="en"/>
-              <a:t>R has wide adoption, but I found the documentation confusing. It is simple and straightforward in many ways. Like many languages these days it relies very heavily on 3rd Party Libraries (like caret)</a:t>
-            </a:r>
-          </a:p>
-          <a:p>
-            <a:pPr lvl="0">
-              <a:spcBef>
-                <a:spcPts val="0"/>
-              </a:spcBef>
-              <a:buNone/>
-            </a:pPr>
-            <a:r>
-              <a:rPr lang="en"/>
-              <a:t>R is THE Standard. But I used Classification tutorials and tried to convert them to my linear needs.. Perhaps if I’d started w/ a linear tutorial. (My Rsquared is very bad)</a:t>
-            </a:r>
-          </a:p>
-          <a:p>
-            <a:pPr lvl="0">
-              <a:spcBef>
-                <a:spcPts val="0"/>
-              </a:spcBef>
-              <a:buNone/>
-            </a:pPr>
-            <a:r>
-              <a:rPr lang="en"/>
-              <a:t>ArcGIS and Azure both offer options to pull in R scripts.</a:t>
-            </a:r>
-          </a:p>
-          <a:p>
-            <a:pPr lvl="0">
-              <a:spcBef>
-                <a:spcPts val="0"/>
-              </a:spcBef>
-              <a:buNone/>
-            </a:pPr>
-            <a:r>
-              <a:rPr lang="en"/>
-              <a:t>UCDenver’s GIS Analysis Class does use R, and several ML companies that I have spoken with use R.</a:t>
-            </a:r>
           </a:p>
         </p:txBody>
       </p:sp>
@@ -1914,7 +2082,7 @@
             </a:pPr>
             <a:r>
               <a:rPr lang="en"/>
-              <a:t>NEIGHBORHOOD</a:t>
+              <a:t>WIDE ADOPTION/ BUT DIFFERENT TUTORIALS</a:t>
             </a:r>
           </a:p>
           <a:p>
@@ -1926,7 +2094,7 @@
             </a:pPr>
             <a:r>
               <a:rPr lang="en"/>
-              <a:t>GIS</a:t>
+              <a:t>LIBRARIES </a:t>
             </a:r>
           </a:p>
           <a:p>
@@ -1938,7 +2106,7 @@
             </a:pPr>
             <a:r>
               <a:rPr lang="en"/>
-              <a:t>MILE HIGH</a:t>
+              <a:t>ARCGIS and AZURE</a:t>
             </a:r>
           </a:p>
           <a:p>
@@ -1961,21 +2129,9 @@
               <a:buNone/>
             </a:pPr>
             <a:r>
-              <a:t/>
+              <a:rPr lang="en"/>
+              <a:t>R has wide adoption, but I found the documentation confusing. It is simple and straightforward in many ways. Like many languages these days it relies very heavily on 3rd Party Libraries (like caret)</a:t>
             </a:r>
-            <a:endParaRPr/>
-          </a:p>
-          <a:p>
-            <a:pPr lvl="0">
-              <a:spcBef>
-                <a:spcPts val="0"/>
-              </a:spcBef>
-              <a:buNone/>
-            </a:pPr>
-            <a:r>
-              <a:t/>
-            </a:r>
-            <a:endParaRPr/>
           </a:p>
           <a:p>
             <a:pPr lvl="0">
@@ -1986,7 +2142,7 @@
             </a:pPr>
             <a:r>
               <a:rPr lang="en"/>
-              <a:t>Looked at Data and noticed a spike on one day from a single address...  Mile High Stadium.</a:t>
+              <a:t>R is THE Standard. But I used Classification tutorials and tried to convert them to my linear needs.. Perhaps if I’d started w/ a linear tutorial. (My Rsquared is very bad)</a:t>
             </a:r>
           </a:p>
           <a:p>
@@ -1997,9 +2153,9 @@
               <a:buNone/>
             </a:pPr>
             <a:r>
-              <a:t/>
+              <a:rPr lang="en"/>
+              <a:t>ArcGIS and Azure both offer options to pull in R scripts.</a:t>
             </a:r>
-            <a:endParaRPr/>
           </a:p>
           <a:p>
             <a:pPr lvl="0">
@@ -2010,67 +2166,7 @@
             </a:pPr>
             <a:r>
               <a:rPr lang="en"/>
-              <a:t>IN THE REAL WORLD , you would want to do this by neighborhood/precinct... </a:t>
-            </a:r>
-          </a:p>
-          <a:p>
-            <a:pPr lvl="0">
-              <a:spcBef>
-                <a:spcPts val="0"/>
-              </a:spcBef>
-              <a:buNone/>
-            </a:pPr>
-            <a:r>
-              <a:rPr lang="en"/>
-              <a:t> And to do that you must use GIS. The ML folks won’t know how to ask..</a:t>
-            </a:r>
-          </a:p>
-          <a:p>
-            <a:pPr indent="457200" lvl="0">
-              <a:spcBef>
-                <a:spcPts val="0"/>
-              </a:spcBef>
-              <a:buNone/>
-            </a:pPr>
-            <a:r>
-              <a:rPr lang="en"/>
-              <a:t>-Which zip or airport do I use to get weather.</a:t>
-            </a:r>
-          </a:p>
-          <a:p>
-            <a:pPr indent="457200" lvl="0">
-              <a:spcBef>
-                <a:spcPts val="0"/>
-              </a:spcBef>
-              <a:buNone/>
-            </a:pPr>
-            <a:r>
-              <a:rPr lang="en"/>
-              <a:t>-Which zips are affected most by Events.. </a:t>
-            </a:r>
-          </a:p>
-          <a:p>
-            <a:pPr lvl="0">
-              <a:spcBef>
-                <a:spcPts val="0"/>
-              </a:spcBef>
-              <a:buNone/>
-            </a:pPr>
-            <a:r>
-              <a:t/>
-            </a:r>
-            <a:endParaRPr/>
-          </a:p>
-          <a:p>
-            <a:pPr lvl="0">
-              <a:spcBef>
-                <a:spcPts val="0"/>
-              </a:spcBef>
-              <a:buNone/>
-            </a:pPr>
-            <a:r>
-              <a:rPr lang="en"/>
-              <a:t>Use R inside your ArcGIS project. </a:t>
+              <a:t>UCDenver’s GIS Analysis Class does use R, and several ML companies that I have spoken with use R.</a:t>
             </a:r>
           </a:p>
         </p:txBody>
@@ -14384,7 +14480,7 @@
             </a:pPr>
             <a:r>
               <a:rPr lang="en"/>
-              <a:t>Can be done w/ Pythons</a:t>
+              <a:t>Now what.	</a:t>
             </a:r>
           </a:p>
         </p:txBody>
@@ -14399,8 +14495,8 @@
         </p:nvSpPr>
         <p:spPr>
           <a:xfrm>
-            <a:off x="1303800" y="1990050"/>
-            <a:ext cx="7030500" cy="2541600"/>
+            <a:off x="1303800" y="1597875"/>
+            <a:ext cx="7030500" cy="2933700"/>
           </a:xfrm>
           <a:prstGeom prst="rect">
             <a:avLst/>
@@ -14420,8 +14516,104 @@
             </a:pPr>
             <a:r>
               <a:rPr lang="en"/>
-              <a:t>Using NumPy and Pandas</a:t>
+              <a:t>More Data.... Always more Data.</a:t>
             </a:r>
+          </a:p>
+          <a:p>
+            <a:pPr indent="-311150" lvl="0" marL="457200" rtl="0">
+              <a:spcBef>
+                <a:spcPts val="0"/>
+              </a:spcBef>
+              <a:spcAft>
+                <a:spcPts val="0"/>
+              </a:spcAft>
+              <a:buChar char="-"/>
+            </a:pPr>
+            <a:r>
+              <a:rPr lang="en"/>
+              <a:t>More History </a:t>
+            </a:r>
+          </a:p>
+          <a:p>
+            <a:pPr indent="-311150" lvl="0" marL="457200" rtl="0">
+              <a:spcBef>
+                <a:spcPts val="0"/>
+              </a:spcBef>
+              <a:spcAft>
+                <a:spcPts val="0"/>
+              </a:spcAft>
+              <a:buChar char="-"/>
+            </a:pPr>
+            <a:r>
+              <a:rPr lang="en"/>
+              <a:t>Other Sources</a:t>
+            </a:r>
+          </a:p>
+          <a:p>
+            <a:pPr indent="-298450" lvl="1" marL="914400" rtl="0">
+              <a:spcBef>
+                <a:spcPts val="0"/>
+              </a:spcBef>
+              <a:spcAft>
+                <a:spcPts val="0"/>
+              </a:spcAft>
+              <a:buChar char="-"/>
+            </a:pPr>
+            <a:r>
+              <a:rPr lang="en"/>
+              <a:t>Student Schedule</a:t>
+            </a:r>
+          </a:p>
+          <a:p>
+            <a:pPr indent="-298450" lvl="1" marL="914400" rtl="0">
+              <a:spcBef>
+                <a:spcPts val="0"/>
+              </a:spcBef>
+              <a:spcAft>
+                <a:spcPts val="0"/>
+              </a:spcAft>
+              <a:buChar char="-"/>
+            </a:pPr>
+            <a:r>
+              <a:rPr lang="en"/>
+              <a:t>Events (Broncos, Rockies Games)</a:t>
+            </a:r>
+            <a:br>
+              <a:rPr lang="en"/>
+            </a:br>
+            <a:br>
+              <a:rPr lang="en"/>
+            </a:br>
+          </a:p>
+          <a:p>
+            <a:pPr indent="-311150" lvl="0" marL="457200" rtl="0">
+              <a:spcBef>
+                <a:spcPts val="0"/>
+              </a:spcBef>
+              <a:buChar char="-"/>
+            </a:pPr>
+            <a:r>
+              <a:rPr lang="en"/>
+              <a:t>Realistic Scenario.. This would be a far superior/usable model if it was by precinct or neighborhood... and you would need GIS Skills. </a:t>
+            </a:r>
+            <a:br>
+              <a:rPr lang="en"/>
+            </a:br>
+            <a:br>
+              <a:rPr lang="en"/>
+            </a:br>
+          </a:p>
+          <a:p>
+            <a:pPr lvl="0">
+              <a:spcBef>
+                <a:spcPts val="0"/>
+              </a:spcBef>
+              <a:buNone/>
+            </a:pPr>
+            <a:r>
+              <a:t/>
+            </a:r>
+            <a:endParaRPr/>
           </a:p>
         </p:txBody>
       </p:sp>
@@ -14472,13 +14664,6 @@
 <file path=ppt/slides/slide11.xml><?xml version="1.0" encoding="utf-8"?>
 <p:sld xmlns:a="http://schemas.openxmlformats.org/drawingml/2006/main" xmlns:r="http://schemas.openxmlformats.org/officeDocument/2006/relationships" xmlns:mc="http://schemas.openxmlformats.org/markup-compatibility/2006" xmlns:mv="urn:schemas-microsoft-com:mac:vml" xmlns:p="http://schemas.openxmlformats.org/presentationml/2006/main" xmlns:c="http://schemas.openxmlformats.org/drawingml/2006/chart" xmlns:dgm="http://schemas.openxmlformats.org/drawingml/2006/diagram" xmlns:o="urn:schemas-microsoft-com:office:office" xmlns:v="urn:schemas-microsoft-com:vml" xmlns:pvml="urn:schemas-microsoft-com:office:powerpoint" xmlns:com="http://schemas.openxmlformats.org/drawingml/2006/compatibility" xmlns:p14="http://schemas.microsoft.com/office/powerpoint/2010/main" xmlns:p15="http://schemas.microsoft.com/office/powerpoint/2012/main">
   <p:cSld>
-    <p:bg>
-      <p:bgPr>
-        <a:solidFill>
-          <a:schemeClr val="accent3"/>
-        </a:solidFill>
-      </p:bgPr>
-    </p:bg>
     <p:spTree>
       <p:nvGrpSpPr>
         <p:cNvPr id="353" name="Shape 353"/>
@@ -14503,6 +14688,146 @@
         </p:nvSpPr>
         <p:spPr>
           <a:xfrm>
+            <a:off x="1303800" y="598575"/>
+            <a:ext cx="7030500" cy="999300"/>
+          </a:xfrm>
+          <a:prstGeom prst="rect">
+            <a:avLst/>
+          </a:prstGeom>
+        </p:spPr>
+        <p:txBody>
+          <a:bodyPr anchorCtr="0" anchor="t" bIns="91425" lIns="91425" rIns="91425" wrap="square" tIns="91425">
+            <a:noAutofit/>
+          </a:bodyPr>
+          <a:lstStyle/>
+          <a:p>
+            <a:pPr lvl="0">
+              <a:spcBef>
+                <a:spcPts val="0"/>
+              </a:spcBef>
+              <a:buNone/>
+            </a:pPr>
+            <a:r>
+              <a:rPr lang="en"/>
+              <a:t>Can be done w/ Pythons</a:t>
+            </a:r>
+          </a:p>
+        </p:txBody>
+      </p:sp>
+      <p:sp>
+        <p:nvSpPr>
+          <p:cNvPr id="355" name="Shape 355"/>
+          <p:cNvSpPr txBox="1"/>
+          <p:nvPr>
+            <p:ph idx="1" type="body"/>
+          </p:nvPr>
+        </p:nvSpPr>
+        <p:spPr>
+          <a:xfrm>
+            <a:off x="1303800" y="1990050"/>
+            <a:ext cx="7030500" cy="2541600"/>
+          </a:xfrm>
+          <a:prstGeom prst="rect">
+            <a:avLst/>
+          </a:prstGeom>
+        </p:spPr>
+        <p:txBody>
+          <a:bodyPr anchorCtr="0" anchor="t" bIns="91425" lIns="91425" rIns="91425" wrap="square" tIns="91425">
+            <a:noAutofit/>
+          </a:bodyPr>
+          <a:lstStyle/>
+          <a:p>
+            <a:pPr lvl="0">
+              <a:spcBef>
+                <a:spcPts val="0"/>
+              </a:spcBef>
+              <a:buNone/>
+            </a:pPr>
+            <a:r>
+              <a:rPr lang="en"/>
+              <a:t>Using NumPy and Pandas</a:t>
+            </a:r>
+          </a:p>
+        </p:txBody>
+      </p:sp>
+      <p:sp>
+        <p:nvSpPr>
+          <p:cNvPr id="356" name="Shape 356"/>
+          <p:cNvSpPr txBox="1"/>
+          <p:nvPr>
+            <p:ph idx="12" type="sldNum"/>
+          </p:nvPr>
+        </p:nvSpPr>
+        <p:spPr>
+          <a:xfrm>
+            <a:off x="8451046" y="4736976"/>
+            <a:ext cx="548700" cy="393600"/>
+          </a:xfrm>
+          <a:prstGeom prst="rect">
+            <a:avLst/>
+          </a:prstGeom>
+        </p:spPr>
+        <p:txBody>
+          <a:bodyPr anchorCtr="0" anchor="ctr" bIns="91425" lIns="91425" rIns="91425" wrap="square" tIns="91425">
+            <a:noAutofit/>
+          </a:bodyPr>
+          <a:lstStyle/>
+          <a:p>
+            <a:pPr lvl="0">
+              <a:spcBef>
+                <a:spcPts val="0"/>
+              </a:spcBef>
+              <a:buNone/>
+            </a:pPr>
+            <a:fld id="{00000000-1234-1234-1234-123412341234}" type="slidenum">
+              <a:rPr lang="en"/>
+              <a:t>‹#›</a:t>
+            </a:fld>
+          </a:p>
+        </p:txBody>
+      </p:sp>
+    </p:spTree>
+  </p:cSld>
+  <p:clrMapOvr>
+    <a:masterClrMapping/>
+  </p:clrMapOvr>
+</p:sld>
+</file>
+
+<file path=ppt/slides/slide12.xml><?xml version="1.0" encoding="utf-8"?>
+<p:sld xmlns:a="http://schemas.openxmlformats.org/drawingml/2006/main" xmlns:r="http://schemas.openxmlformats.org/officeDocument/2006/relationships" xmlns:mc="http://schemas.openxmlformats.org/markup-compatibility/2006" xmlns:mv="urn:schemas-microsoft-com:mac:vml" xmlns:p="http://schemas.openxmlformats.org/presentationml/2006/main" xmlns:c="http://schemas.openxmlformats.org/drawingml/2006/chart" xmlns:dgm="http://schemas.openxmlformats.org/drawingml/2006/diagram" xmlns:o="urn:schemas-microsoft-com:office:office" xmlns:v="urn:schemas-microsoft-com:vml" xmlns:pvml="urn:schemas-microsoft-com:office:powerpoint" xmlns:com="http://schemas.openxmlformats.org/drawingml/2006/compatibility" xmlns:p14="http://schemas.microsoft.com/office/powerpoint/2010/main" xmlns:p15="http://schemas.microsoft.com/office/powerpoint/2012/main">
+  <p:cSld>
+    <p:bg>
+      <p:bgPr>
+        <a:solidFill>
+          <a:schemeClr val="accent3"/>
+        </a:solidFill>
+      </p:bgPr>
+    </p:bg>
+    <p:spTree>
+      <p:nvGrpSpPr>
+        <p:cNvPr id="360" name="Shape 360"/>
+        <p:cNvGrpSpPr/>
+        <p:nvPr/>
+      </p:nvGrpSpPr>
+      <p:grpSpPr>
+        <a:xfrm>
+          <a:off x="0" y="0"/>
+          <a:ext cx="0" cy="0"/>
+          <a:chOff x="0" y="0"/>
+          <a:chExt cx="0" cy="0"/>
+        </a:xfrm>
+      </p:grpSpPr>
+      <p:sp>
+        <p:nvSpPr>
+          <p:cNvPr id="361" name="Shape 361"/>
+          <p:cNvSpPr txBox="1"/>
+          <p:nvPr>
+            <p:ph type="title"/>
+          </p:nvPr>
+        </p:nvSpPr>
+        <p:spPr>
+          <a:xfrm>
             <a:off x="1400075" y="223050"/>
             <a:ext cx="6556500" cy="619200"/>
           </a:xfrm>
@@ -14535,7 +14860,7 @@
       </p:sp>
       <p:sp>
         <p:nvSpPr>
-          <p:cNvPr id="355" name="Shape 355"/>
+          <p:cNvPr id="362" name="Shape 362"/>
           <p:cNvSpPr txBox="1"/>
           <p:nvPr>
             <p:ph idx="1" type="body"/>
@@ -14883,7 +15208,7 @@
       </p:sp>
       <p:sp>
         <p:nvSpPr>
-          <p:cNvPr id="356" name="Shape 356"/>
+          <p:cNvPr id="363" name="Shape 363"/>
           <p:cNvSpPr txBox="1"/>
           <p:nvPr>
             <p:ph idx="12" type="sldNum"/>
@@ -14923,7 +15248,7 @@
       </p:sp>
       <p:pic>
         <p:nvPicPr>
-          <p:cNvPr id="357" name="Shape 357"/>
+          <p:cNvPr id="364" name="Shape 364"/>
           <p:cNvPicPr preferRelativeResize="0"/>
           <p:nvPr/>
         </p:nvPicPr>
@@ -14951,7 +15276,7 @@
       </p:pic>
       <p:pic>
         <p:nvPicPr>
-          <p:cNvPr id="358" name="Shape 358"/>
+          <p:cNvPr id="365" name="Shape 365"/>
           <p:cNvPicPr preferRelativeResize="0"/>
           <p:nvPr/>
         </p:nvPicPr>
@@ -14985,7 +15310,7 @@
 </p:sld>
 </file>
 
-<file path=ppt/slides/slide12.xml><?xml version="1.0" encoding="utf-8"?>
+<file path=ppt/slides/slide13.xml><?xml version="1.0" encoding="utf-8"?>
 <p:sld xmlns:a="http://schemas.openxmlformats.org/drawingml/2006/main" xmlns:r="http://schemas.openxmlformats.org/officeDocument/2006/relationships" xmlns:mc="http://schemas.openxmlformats.org/markup-compatibility/2006" xmlns:mv="urn:schemas-microsoft-com:mac:vml" xmlns:p="http://schemas.openxmlformats.org/presentationml/2006/main" xmlns:c="http://schemas.openxmlformats.org/drawingml/2006/chart" xmlns:dgm="http://schemas.openxmlformats.org/drawingml/2006/diagram" xmlns:o="urn:schemas-microsoft-com:office:office" xmlns:v="urn:schemas-microsoft-com:vml" xmlns:pvml="urn:schemas-microsoft-com:office:powerpoint" xmlns:com="http://schemas.openxmlformats.org/drawingml/2006/compatibility" xmlns:p14="http://schemas.microsoft.com/office/powerpoint/2010/main" xmlns:p15="http://schemas.microsoft.com/office/powerpoint/2012/main">
   <p:cSld>
     <p:bg>
@@ -14997,7 +15322,7 @@
     </p:bg>
     <p:spTree>
       <p:nvGrpSpPr>
-        <p:cNvPr id="362" name="Shape 362"/>
+        <p:cNvPr id="369" name="Shape 369"/>
         <p:cNvGrpSpPr/>
         <p:nvPr/>
       </p:nvGrpSpPr>
@@ -15011,7 +15336,7 @@
       </p:grpSpPr>
       <p:sp>
         <p:nvSpPr>
-          <p:cNvPr id="363" name="Shape 363"/>
+          <p:cNvPr id="370" name="Shape 370"/>
           <p:cNvSpPr txBox="1"/>
           <p:nvPr>
             <p:ph type="title"/>
@@ -15044,14 +15369,30 @@
                   <a:srgbClr val="000000"/>
                 </a:solidFill>
               </a:rPr>
-              <a:t>Links</a:t>
+              <a:t>Linksgm</a:t>
             </a:r>
+          </a:p>
+          <a:p>
+            <a:pPr lvl="0">
+              <a:spcBef>
+                <a:spcPts val="0"/>
+              </a:spcBef>
+              <a:buNone/>
+            </a:pPr>
+            <a:r>
+              <a:t/>
+            </a:r>
+            <a:endParaRPr sz="2400">
+              <a:solidFill>
+                <a:srgbClr val="000000"/>
+              </a:solidFill>
+            </a:endParaRPr>
           </a:p>
         </p:txBody>
       </p:sp>
       <p:sp>
         <p:nvSpPr>
-          <p:cNvPr id="364" name="Shape 364"/>
+          <p:cNvPr id="371" name="Shape 371"/>
           <p:cNvSpPr txBox="1"/>
           <p:nvPr>
             <p:ph idx="1" type="body"/>
@@ -15349,7 +15690,7 @@
       </p:sp>
       <p:sp>
         <p:nvSpPr>
-          <p:cNvPr id="365" name="Shape 365"/>
+          <p:cNvPr id="372" name="Shape 372"/>
           <p:cNvSpPr txBox="1"/>
           <p:nvPr>
             <p:ph idx="12" type="sldNum"/>
@@ -15632,7 +15973,7 @@
             </a:pPr>
             <a:r>
               <a:rPr lang="en"/>
-              <a:t>Machine Learning Steps</a:t>
+              <a:t>I Disagree</a:t>
             </a:r>
           </a:p>
         </p:txBody>
@@ -15660,81 +16001,15 @@
           </a:bodyPr>
           <a:lstStyle/>
           <a:p>
-            <a:pPr indent="-342900" lvl="0" marL="457200" rtl="0">
-              <a:spcBef>
-                <a:spcPts val="0"/>
-              </a:spcBef>
-              <a:buSzPct val="100000"/>
-              <a:buAutoNum type="arabicPeriod"/>
+            <a:pPr lvl="0">
+              <a:spcBef>
+                <a:spcPts val="0"/>
+              </a:spcBef>
+              <a:buNone/>
             </a:pPr>
             <a:r>
-              <a:rPr lang="en" sz="1800"/>
-              <a:t>Ask the Right Question</a:t>
-            </a:r>
-          </a:p>
-          <a:p>
-            <a:pPr indent="-342900" lvl="0" marL="457200" rtl="0">
-              <a:spcBef>
-                <a:spcPts val="0"/>
-              </a:spcBef>
-              <a:buSzPct val="100000"/>
-              <a:buAutoNum type="arabicPeriod"/>
-            </a:pPr>
-            <a:r>
-              <a:rPr lang="en" sz="1800"/>
-              <a:t>Prepare the Data</a:t>
-            </a:r>
-          </a:p>
-          <a:p>
-            <a:pPr indent="-342900" lvl="0" marL="457200" rtl="0">
-              <a:spcBef>
-                <a:spcPts val="0"/>
-              </a:spcBef>
-              <a:buSzPct val="100000"/>
-              <a:buAutoNum type="arabicPeriod"/>
-            </a:pPr>
-            <a:r>
-              <a:rPr lang="en" sz="1800"/>
-              <a:t>Select the Algorithm</a:t>
-            </a:r>
-          </a:p>
-          <a:p>
-            <a:pPr indent="-342900" lvl="0" marL="457200" rtl="0">
-              <a:spcBef>
-                <a:spcPts val="0"/>
-              </a:spcBef>
-              <a:buSzPct val="100000"/>
-              <a:buAutoNum type="arabicPeriod"/>
-            </a:pPr>
-            <a:r>
-              <a:rPr lang="en" sz="1800"/>
-              <a:t>Training the Model</a:t>
-            </a:r>
-          </a:p>
-          <a:p>
-            <a:pPr indent="-342900" lvl="0" marL="457200" rtl="0">
-              <a:spcBef>
-                <a:spcPts val="0"/>
-              </a:spcBef>
-              <a:buSzPct val="100000"/>
-              <a:buAutoNum type="arabicPeriod"/>
-            </a:pPr>
-            <a:r>
-              <a:rPr lang="en" sz="1800"/>
-              <a:t>Test the model.</a:t>
-            </a:r>
-          </a:p>
-          <a:p>
-            <a:pPr indent="-342900" lvl="0" marL="457200">
-              <a:spcBef>
-                <a:spcPts val="0"/>
-              </a:spcBef>
-              <a:buSzPct val="100000"/>
-              <a:buAutoNum type="arabicPeriod"/>
-            </a:pPr>
-            <a:r>
-              <a:rPr lang="en" sz="1800"/>
-              <a:t>Repeat over and over.</a:t>
+              <a:rPr lang="en"/>
+              <a:t>Anyone with basic technical skills, can do basic ML in a weekend. </a:t>
             </a:r>
           </a:p>
         </p:txBody>
@@ -15831,6 +16106,220 @@
             </a:pPr>
             <a:r>
               <a:rPr lang="en"/>
+              <a:t>Machine Learning Steps</a:t>
+            </a:r>
+          </a:p>
+        </p:txBody>
+      </p:sp>
+      <p:sp>
+        <p:nvSpPr>
+          <p:cNvPr id="301" name="Shape 301"/>
+          <p:cNvSpPr txBox="1"/>
+          <p:nvPr>
+            <p:ph idx="1" type="body"/>
+          </p:nvPr>
+        </p:nvSpPr>
+        <p:spPr>
+          <a:xfrm>
+            <a:off x="1303800" y="1990050"/>
+            <a:ext cx="7030500" cy="2541600"/>
+          </a:xfrm>
+          <a:prstGeom prst="rect">
+            <a:avLst/>
+          </a:prstGeom>
+        </p:spPr>
+        <p:txBody>
+          <a:bodyPr anchorCtr="0" anchor="t" bIns="91425" lIns="91425" rIns="91425" wrap="square" tIns="91425">
+            <a:noAutofit/>
+          </a:bodyPr>
+          <a:lstStyle/>
+          <a:p>
+            <a:pPr indent="-342900" lvl="0" marL="457200" rtl="0">
+              <a:spcBef>
+                <a:spcPts val="0"/>
+              </a:spcBef>
+              <a:spcAft>
+                <a:spcPts val="0"/>
+              </a:spcAft>
+              <a:buSzPct val="100000"/>
+              <a:buAutoNum type="arabicPeriod"/>
+            </a:pPr>
+            <a:r>
+              <a:rPr lang="en" sz="1800"/>
+              <a:t>Ask the Right Question</a:t>
+            </a:r>
+          </a:p>
+          <a:p>
+            <a:pPr indent="-342900" lvl="0" marL="457200" rtl="0">
+              <a:spcBef>
+                <a:spcPts val="0"/>
+              </a:spcBef>
+              <a:spcAft>
+                <a:spcPts val="0"/>
+              </a:spcAft>
+              <a:buSzPct val="100000"/>
+              <a:buAutoNum type="arabicPeriod"/>
+            </a:pPr>
+            <a:r>
+              <a:rPr lang="en" sz="1800"/>
+              <a:t>Prepare the Data</a:t>
+            </a:r>
+          </a:p>
+          <a:p>
+            <a:pPr indent="-342900" lvl="0" marL="457200" rtl="0">
+              <a:spcBef>
+                <a:spcPts val="0"/>
+              </a:spcBef>
+              <a:spcAft>
+                <a:spcPts val="0"/>
+              </a:spcAft>
+              <a:buSzPct val="100000"/>
+              <a:buAutoNum type="arabicPeriod"/>
+            </a:pPr>
+            <a:r>
+              <a:rPr lang="en" sz="1800"/>
+              <a:t>Select the Algorithm</a:t>
+            </a:r>
+          </a:p>
+          <a:p>
+            <a:pPr indent="-342900" lvl="0" marL="457200" rtl="0">
+              <a:spcBef>
+                <a:spcPts val="0"/>
+              </a:spcBef>
+              <a:spcAft>
+                <a:spcPts val="0"/>
+              </a:spcAft>
+              <a:buSzPct val="100000"/>
+              <a:buAutoNum type="arabicPeriod"/>
+            </a:pPr>
+            <a:r>
+              <a:rPr lang="en" sz="1800"/>
+              <a:t>Training the Model</a:t>
+            </a:r>
+          </a:p>
+          <a:p>
+            <a:pPr indent="-342900" lvl="0" marL="457200" rtl="0">
+              <a:spcBef>
+                <a:spcPts val="0"/>
+              </a:spcBef>
+              <a:spcAft>
+                <a:spcPts val="0"/>
+              </a:spcAft>
+              <a:buSzPct val="100000"/>
+              <a:buAutoNum type="arabicPeriod"/>
+            </a:pPr>
+            <a:r>
+              <a:rPr lang="en" sz="1800"/>
+              <a:t>Test the model.</a:t>
+            </a:r>
+          </a:p>
+          <a:p>
+            <a:pPr indent="-342900" lvl="0" marL="457200">
+              <a:spcBef>
+                <a:spcPts val="0"/>
+              </a:spcBef>
+              <a:buSzPct val="100000"/>
+              <a:buAutoNum type="arabicPeriod"/>
+            </a:pPr>
+            <a:r>
+              <a:rPr lang="en" sz="1800"/>
+              <a:t>Repeat over and over.</a:t>
+            </a:r>
+          </a:p>
+        </p:txBody>
+      </p:sp>
+      <p:sp>
+        <p:nvSpPr>
+          <p:cNvPr id="302" name="Shape 302"/>
+          <p:cNvSpPr txBox="1"/>
+          <p:nvPr>
+            <p:ph idx="12" type="sldNum"/>
+          </p:nvPr>
+        </p:nvSpPr>
+        <p:spPr>
+          <a:xfrm>
+            <a:off x="8451046" y="4736976"/>
+            <a:ext cx="548700" cy="393600"/>
+          </a:xfrm>
+          <a:prstGeom prst="rect">
+            <a:avLst/>
+          </a:prstGeom>
+        </p:spPr>
+        <p:txBody>
+          <a:bodyPr anchorCtr="0" anchor="ctr" bIns="91425" lIns="91425" rIns="91425" wrap="square" tIns="91425">
+            <a:noAutofit/>
+          </a:bodyPr>
+          <a:lstStyle/>
+          <a:p>
+            <a:pPr lvl="0">
+              <a:spcBef>
+                <a:spcPts val="0"/>
+              </a:spcBef>
+              <a:buNone/>
+            </a:pPr>
+            <a:fld id="{00000000-1234-1234-1234-123412341234}" type="slidenum">
+              <a:rPr lang="en"/>
+              <a:t>‹#›</a:t>
+            </a:fld>
+          </a:p>
+        </p:txBody>
+      </p:sp>
+    </p:spTree>
+  </p:cSld>
+  <p:clrMapOvr>
+    <a:masterClrMapping/>
+  </p:clrMapOvr>
+</p:sld>
+</file>
+
+<file path=ppt/slides/slide5.xml><?xml version="1.0" encoding="utf-8"?>
+<p:sld xmlns:a="http://schemas.openxmlformats.org/drawingml/2006/main" xmlns:r="http://schemas.openxmlformats.org/officeDocument/2006/relationships" xmlns:mc="http://schemas.openxmlformats.org/markup-compatibility/2006" xmlns:mv="urn:schemas-microsoft-com:mac:vml" xmlns:p="http://schemas.openxmlformats.org/presentationml/2006/main" xmlns:c="http://schemas.openxmlformats.org/drawingml/2006/chart" xmlns:dgm="http://schemas.openxmlformats.org/drawingml/2006/diagram" xmlns:o="urn:schemas-microsoft-com:office:office" xmlns:v="urn:schemas-microsoft-com:vml" xmlns:pvml="urn:schemas-microsoft-com:office:powerpoint" xmlns:com="http://schemas.openxmlformats.org/drawingml/2006/compatibility" xmlns:p14="http://schemas.microsoft.com/office/powerpoint/2010/main" xmlns:p15="http://schemas.microsoft.com/office/powerpoint/2012/main">
+  <p:cSld>
+    <p:spTree>
+      <p:nvGrpSpPr>
+        <p:cNvPr id="306" name="Shape 306"/>
+        <p:cNvGrpSpPr/>
+        <p:nvPr/>
+      </p:nvGrpSpPr>
+      <p:grpSpPr>
+        <a:xfrm>
+          <a:off x="0" y="0"/>
+          <a:ext cx="0" cy="0"/>
+          <a:chOff x="0" y="0"/>
+          <a:chExt cx="0" cy="0"/>
+        </a:xfrm>
+      </p:grpSpPr>
+      <p:sp>
+        <p:nvSpPr>
+          <p:cNvPr id="307" name="Shape 307"/>
+          <p:cNvSpPr txBox="1"/>
+          <p:nvPr>
+            <p:ph type="title"/>
+          </p:nvPr>
+        </p:nvSpPr>
+        <p:spPr>
+          <a:xfrm>
+            <a:off x="1303800" y="598575"/>
+            <a:ext cx="7030500" cy="999300"/>
+          </a:xfrm>
+          <a:prstGeom prst="rect">
+            <a:avLst/>
+          </a:prstGeom>
+        </p:spPr>
+        <p:txBody>
+          <a:bodyPr anchorCtr="0" anchor="t" bIns="91425" lIns="91425" rIns="91425" wrap="square" tIns="91425">
+            <a:noAutofit/>
+          </a:bodyPr>
+          <a:lstStyle/>
+          <a:p>
+            <a:pPr lvl="0">
+              <a:spcBef>
+                <a:spcPts val="0"/>
+              </a:spcBef>
+              <a:buNone/>
+            </a:pPr>
+            <a:r>
+              <a:rPr lang="en"/>
               <a:t>Data Prep	</a:t>
             </a:r>
           </a:p>
@@ -15838,7 +16327,7 @@
       </p:sp>
       <p:sp>
         <p:nvSpPr>
-          <p:cNvPr id="301" name="Shape 301"/>
+          <p:cNvPr id="308" name="Shape 308"/>
           <p:cNvSpPr txBox="1"/>
           <p:nvPr>
             <p:ph idx="1" type="body"/>
@@ -15922,7 +16411,7 @@
       </p:sp>
       <p:pic>
         <p:nvPicPr>
-          <p:cNvPr id="302" name="Shape 302"/>
+          <p:cNvPr id="309" name="Shape 309"/>
           <p:cNvPicPr preferRelativeResize="0"/>
           <p:nvPr/>
         </p:nvPicPr>
@@ -15950,7 +16439,7 @@
       </p:pic>
       <p:sp>
         <p:nvSpPr>
-          <p:cNvPr id="303" name="Shape 303"/>
+          <p:cNvPr id="310" name="Shape 310"/>
           <p:cNvSpPr txBox="1"/>
           <p:nvPr>
             <p:ph idx="12" type="sldNum"/>
@@ -15992,12 +16481,12 @@
 </p:sld>
 </file>
 
-<file path=ppt/slides/slide5.xml><?xml version="1.0" encoding="utf-8"?>
+<file path=ppt/slides/slide6.xml><?xml version="1.0" encoding="utf-8"?>
 <p:sld xmlns:a="http://schemas.openxmlformats.org/drawingml/2006/main" xmlns:r="http://schemas.openxmlformats.org/officeDocument/2006/relationships" xmlns:mc="http://schemas.openxmlformats.org/markup-compatibility/2006" xmlns:mv="urn:schemas-microsoft-com:mac:vml" xmlns:p="http://schemas.openxmlformats.org/presentationml/2006/main" xmlns:c="http://schemas.openxmlformats.org/drawingml/2006/chart" xmlns:dgm="http://schemas.openxmlformats.org/drawingml/2006/diagram" xmlns:o="urn:schemas-microsoft-com:office:office" xmlns:v="urn:schemas-microsoft-com:vml" xmlns:pvml="urn:schemas-microsoft-com:office:powerpoint" xmlns:com="http://schemas.openxmlformats.org/drawingml/2006/compatibility" xmlns:p14="http://schemas.microsoft.com/office/powerpoint/2010/main" xmlns:p15="http://schemas.microsoft.com/office/powerpoint/2012/main">
   <p:cSld>
     <p:spTree>
       <p:nvGrpSpPr>
-        <p:cNvPr id="307" name="Shape 307"/>
+        <p:cNvPr id="314" name="Shape 314"/>
         <p:cNvGrpSpPr/>
         <p:nvPr/>
       </p:nvGrpSpPr>
@@ -16011,7 +16500,7 @@
       </p:grpSpPr>
       <p:sp>
         <p:nvSpPr>
-          <p:cNvPr id="308" name="Shape 308"/>
+          <p:cNvPr id="315" name="Shape 315"/>
           <p:cNvSpPr txBox="1"/>
           <p:nvPr>
             <p:ph type="title"/>
@@ -16047,7 +16536,7 @@
       </p:sp>
       <p:sp>
         <p:nvSpPr>
-          <p:cNvPr id="309" name="Shape 309"/>
+          <p:cNvPr id="316" name="Shape 316"/>
           <p:cNvSpPr txBox="1"/>
           <p:nvPr>
             <p:ph idx="1" type="body"/>
@@ -16176,7 +16665,7 @@
       </p:sp>
       <p:sp>
         <p:nvSpPr>
-          <p:cNvPr id="310" name="Shape 310"/>
+          <p:cNvPr id="317" name="Shape 317"/>
           <p:cNvSpPr txBox="1"/>
           <p:nvPr>
             <p:ph idx="12" type="sldNum"/>
@@ -16212,7 +16701,7 @@
       </p:sp>
       <p:pic>
         <p:nvPicPr>
-          <p:cNvPr id="311" name="Shape 311"/>
+          <p:cNvPr id="318" name="Shape 318"/>
           <p:cNvPicPr preferRelativeResize="0"/>
           <p:nvPr/>
         </p:nvPicPr>
@@ -16246,12 +16735,12 @@
 </p:sld>
 </file>
 
-<file path=ppt/slides/slide6.xml><?xml version="1.0" encoding="utf-8"?>
+<file path=ppt/slides/slide7.xml><?xml version="1.0" encoding="utf-8"?>
 <p:sld xmlns:a="http://schemas.openxmlformats.org/drawingml/2006/main" xmlns:r="http://schemas.openxmlformats.org/officeDocument/2006/relationships" xmlns:mc="http://schemas.openxmlformats.org/markup-compatibility/2006" xmlns:mv="urn:schemas-microsoft-com:mac:vml" xmlns:p="http://schemas.openxmlformats.org/presentationml/2006/main" xmlns:c="http://schemas.openxmlformats.org/drawingml/2006/chart" xmlns:dgm="http://schemas.openxmlformats.org/drawingml/2006/diagram" xmlns:o="urn:schemas-microsoft-com:office:office" xmlns:v="urn:schemas-microsoft-com:vml" xmlns:pvml="urn:schemas-microsoft-com:office:powerpoint" xmlns:com="http://schemas.openxmlformats.org/drawingml/2006/compatibility" xmlns:p14="http://schemas.microsoft.com/office/powerpoint/2010/main" xmlns:p15="http://schemas.microsoft.com/office/powerpoint/2012/main">
   <p:cSld>
     <p:spTree>
       <p:nvGrpSpPr>
-        <p:cNvPr id="315" name="Shape 315"/>
+        <p:cNvPr id="322" name="Shape 322"/>
         <p:cNvGrpSpPr/>
         <p:nvPr/>
       </p:nvGrpSpPr>
@@ -16265,7 +16754,7 @@
       </p:grpSpPr>
       <p:sp>
         <p:nvSpPr>
-          <p:cNvPr id="316" name="Shape 316"/>
+          <p:cNvPr id="323" name="Shape 323"/>
           <p:cNvSpPr txBox="1"/>
           <p:nvPr>
             <p:ph type="title"/>
@@ -16301,7 +16790,7 @@
       </p:sp>
       <p:sp>
         <p:nvSpPr>
-          <p:cNvPr id="317" name="Shape 317"/>
+          <p:cNvPr id="324" name="Shape 324"/>
           <p:cNvSpPr txBox="1"/>
           <p:nvPr>
             <p:ph idx="1" type="body"/>
@@ -16337,7 +16826,7 @@
       </p:sp>
       <p:pic>
         <p:nvPicPr>
-          <p:cNvPr id="318" name="Shape 318"/>
+          <p:cNvPr id="325" name="Shape 325"/>
           <p:cNvPicPr preferRelativeResize="0"/>
           <p:nvPr/>
         </p:nvPicPr>
@@ -16365,141 +16854,6 @@
       </p:pic>
       <p:sp>
         <p:nvSpPr>
-          <p:cNvPr id="319" name="Shape 319"/>
-          <p:cNvSpPr txBox="1"/>
-          <p:nvPr>
-            <p:ph idx="12" type="sldNum"/>
-          </p:nvPr>
-        </p:nvSpPr>
-        <p:spPr>
-          <a:xfrm>
-            <a:off x="8451046" y="4736976"/>
-            <a:ext cx="548700" cy="393600"/>
-          </a:xfrm>
-          <a:prstGeom prst="rect">
-            <a:avLst/>
-          </a:prstGeom>
-        </p:spPr>
-        <p:txBody>
-          <a:bodyPr anchorCtr="0" anchor="ctr" bIns="91425" lIns="91425" rIns="91425" wrap="square" tIns="91425">
-            <a:noAutofit/>
-          </a:bodyPr>
-          <a:lstStyle/>
-          <a:p>
-            <a:pPr lvl="0">
-              <a:spcBef>
-                <a:spcPts val="0"/>
-              </a:spcBef>
-              <a:buNone/>
-            </a:pPr>
-            <a:fld id="{00000000-1234-1234-1234-123412341234}" type="slidenum">
-              <a:rPr lang="en"/>
-              <a:t>‹#›</a:t>
-            </a:fld>
-          </a:p>
-        </p:txBody>
-      </p:sp>
-    </p:spTree>
-  </p:cSld>
-  <p:clrMapOvr>
-    <a:masterClrMapping/>
-  </p:clrMapOvr>
-</p:sld>
-</file>
-
-<file path=ppt/slides/slide7.xml><?xml version="1.0" encoding="utf-8"?>
-<p:sld xmlns:a="http://schemas.openxmlformats.org/drawingml/2006/main" xmlns:r="http://schemas.openxmlformats.org/officeDocument/2006/relationships" xmlns:mc="http://schemas.openxmlformats.org/markup-compatibility/2006" xmlns:mv="urn:schemas-microsoft-com:mac:vml" xmlns:p="http://schemas.openxmlformats.org/presentationml/2006/main" xmlns:c="http://schemas.openxmlformats.org/drawingml/2006/chart" xmlns:dgm="http://schemas.openxmlformats.org/drawingml/2006/diagram" xmlns:o="urn:schemas-microsoft-com:office:office" xmlns:v="urn:schemas-microsoft-com:vml" xmlns:pvml="urn:schemas-microsoft-com:office:powerpoint" xmlns:com="http://schemas.openxmlformats.org/drawingml/2006/compatibility" xmlns:p14="http://schemas.microsoft.com/office/powerpoint/2010/main" xmlns:p15="http://schemas.microsoft.com/office/powerpoint/2012/main">
-  <p:cSld>
-    <p:spTree>
-      <p:nvGrpSpPr>
-        <p:cNvPr id="323" name="Shape 323"/>
-        <p:cNvGrpSpPr/>
-        <p:nvPr/>
-      </p:nvGrpSpPr>
-      <p:grpSpPr>
-        <a:xfrm>
-          <a:off x="0" y="0"/>
-          <a:ext cx="0" cy="0"/>
-          <a:chOff x="0" y="0"/>
-          <a:chExt cx="0" cy="0"/>
-        </a:xfrm>
-      </p:grpSpPr>
-      <p:sp>
-        <p:nvSpPr>
-          <p:cNvPr id="324" name="Shape 324"/>
-          <p:cNvSpPr txBox="1"/>
-          <p:nvPr>
-            <p:ph type="title"/>
-          </p:nvPr>
-        </p:nvSpPr>
-        <p:spPr>
-          <a:xfrm>
-            <a:off x="1303800" y="598575"/>
-            <a:ext cx="7030500" cy="999300"/>
-          </a:xfrm>
-          <a:prstGeom prst="rect">
-            <a:avLst/>
-          </a:prstGeom>
-        </p:spPr>
-        <p:txBody>
-          <a:bodyPr anchorCtr="0" anchor="t" bIns="91425" lIns="91425" rIns="91425" wrap="square" tIns="91425">
-            <a:noAutofit/>
-          </a:bodyPr>
-          <a:lstStyle/>
-          <a:p>
-            <a:pPr lvl="0">
-              <a:spcBef>
-                <a:spcPts val="0"/>
-              </a:spcBef>
-              <a:buNone/>
-            </a:pPr>
-            <a:r>
-              <a:rPr lang="en"/>
-              <a:t>Evaluation of Model</a:t>
-            </a:r>
-          </a:p>
-        </p:txBody>
-      </p:sp>
-      <p:sp>
-        <p:nvSpPr>
-          <p:cNvPr id="325" name="Shape 325"/>
-          <p:cNvSpPr txBox="1"/>
-          <p:nvPr>
-            <p:ph idx="1" type="body"/>
-          </p:nvPr>
-        </p:nvSpPr>
-        <p:spPr>
-          <a:xfrm>
-            <a:off x="1303800" y="1990050"/>
-            <a:ext cx="7030500" cy="2541600"/>
-          </a:xfrm>
-          <a:prstGeom prst="rect">
-            <a:avLst/>
-          </a:prstGeom>
-        </p:spPr>
-        <p:txBody>
-          <a:bodyPr anchorCtr="0" anchor="t" bIns="91425" lIns="91425" rIns="91425" wrap="square" tIns="91425">
-            <a:noAutofit/>
-          </a:bodyPr>
-          <a:lstStyle/>
-          <a:p>
-            <a:pPr lvl="0">
-              <a:spcBef>
-                <a:spcPts val="0"/>
-              </a:spcBef>
-              <a:buNone/>
-            </a:pPr>
-            <a:br>
-              <a:rPr lang="en"/>
-            </a:br>
-            <a:br>
-              <a:rPr lang="en"/>
-            </a:br>
-          </a:p>
-        </p:txBody>
-      </p:sp>
-      <p:sp>
-        <p:nvSpPr>
           <p:cNvPr id="326" name="Shape 326"/>
           <p:cNvSpPr txBox="1"/>
           <p:nvPr>
@@ -16534,62 +16888,6 @@
           </a:p>
         </p:txBody>
       </p:sp>
-      <p:pic>
-        <p:nvPicPr>
-          <p:cNvPr id="327" name="Shape 327"/>
-          <p:cNvPicPr preferRelativeResize="0"/>
-          <p:nvPr/>
-        </p:nvPicPr>
-        <p:blipFill>
-          <a:blip r:embed="rId3">
-            <a:alphaModFix/>
-          </a:blip>
-          <a:stretch>
-            <a:fillRect/>
-          </a:stretch>
-        </p:blipFill>
-        <p:spPr>
-          <a:xfrm>
-            <a:off x="461625" y="2483500"/>
-            <a:ext cx="7989425" cy="2076683"/>
-          </a:xfrm>
-          <a:prstGeom prst="rect">
-            <a:avLst/>
-          </a:prstGeom>
-          <a:noFill/>
-          <a:ln>
-            <a:noFill/>
-          </a:ln>
-        </p:spPr>
-      </p:pic>
-      <p:pic>
-        <p:nvPicPr>
-          <p:cNvPr id="328" name="Shape 328"/>
-          <p:cNvPicPr preferRelativeResize="0"/>
-          <p:nvPr/>
-        </p:nvPicPr>
-        <p:blipFill>
-          <a:blip r:embed="rId4">
-            <a:alphaModFix/>
-          </a:blip>
-          <a:stretch>
-            <a:fillRect/>
-          </a:stretch>
-        </p:blipFill>
-        <p:spPr>
-          <a:xfrm>
-            <a:off x="5543825" y="598563"/>
-            <a:ext cx="3181350" cy="1400175"/>
-          </a:xfrm>
-          <a:prstGeom prst="rect">
-            <a:avLst/>
-          </a:prstGeom>
-          <a:noFill/>
-          <a:ln>
-            <a:noFill/>
-          </a:ln>
-        </p:spPr>
-      </p:pic>
     </p:spTree>
   </p:cSld>
   <p:clrMapOvr>
@@ -16603,7 +16901,7 @@
   <p:cSld>
     <p:spTree>
       <p:nvGrpSpPr>
-        <p:cNvPr id="332" name="Shape 332"/>
+        <p:cNvPr id="330" name="Shape 330"/>
         <p:cNvGrpSpPr/>
         <p:nvPr/>
       </p:nvGrpSpPr>
@@ -16617,16 +16915,16 @@
       </p:grpSpPr>
       <p:sp>
         <p:nvSpPr>
-          <p:cNvPr id="333" name="Shape 333"/>
+          <p:cNvPr id="331" name="Shape 331"/>
           <p:cNvSpPr txBox="1"/>
           <p:nvPr>
-            <p:ph idx="1" type="body"/>
+            <p:ph type="title"/>
           </p:nvPr>
         </p:nvSpPr>
         <p:spPr>
           <a:xfrm>
-            <a:off x="1303800" y="4138975"/>
-            <a:ext cx="5843100" cy="534900"/>
+            <a:off x="1303800" y="598575"/>
+            <a:ext cx="7030500" cy="999300"/>
           </a:xfrm>
           <a:prstGeom prst="rect">
             <a:avLst/>
@@ -16638,36 +16936,60 @@
           </a:bodyPr>
           <a:lstStyle/>
           <a:p>
-            <a:pPr indent="0" lvl="0" marL="0" marR="0" rtl="0" algn="l">
-              <a:lnSpc>
-                <a:spcPct val="100000"/>
-              </a:lnSpc>
-              <a:spcBef>
-                <a:spcPts val="0"/>
-              </a:spcBef>
-              <a:spcAft>
-                <a:spcPts val="0"/>
-              </a:spcAft>
+            <a:pPr lvl="0">
+              <a:spcBef>
+                <a:spcPts val="0"/>
+              </a:spcBef>
               <a:buNone/>
             </a:pPr>
             <a:r>
-              <a:rPr b="1" lang="en" sz="2800">
-                <a:solidFill>
-                  <a:schemeClr val="dk2"/>
-                </a:solidFill>
-                <a:latin typeface="Maven Pro"/>
-                <a:ea typeface="Maven Pro"/>
-                <a:cs typeface="Maven Pro"/>
-                <a:sym typeface="Maven Pro"/>
-              </a:rPr>
-              <a:t>R</a:t>
+              <a:rPr lang="en"/>
+              <a:t>Evaluation of Model</a:t>
             </a:r>
           </a:p>
         </p:txBody>
       </p:sp>
       <p:sp>
         <p:nvSpPr>
-          <p:cNvPr id="334" name="Shape 334"/>
+          <p:cNvPr id="332" name="Shape 332"/>
+          <p:cNvSpPr txBox="1"/>
+          <p:nvPr>
+            <p:ph idx="1" type="body"/>
+          </p:nvPr>
+        </p:nvSpPr>
+        <p:spPr>
+          <a:xfrm>
+            <a:off x="1303800" y="1990050"/>
+            <a:ext cx="7030500" cy="2541600"/>
+          </a:xfrm>
+          <a:prstGeom prst="rect">
+            <a:avLst/>
+          </a:prstGeom>
+        </p:spPr>
+        <p:txBody>
+          <a:bodyPr anchorCtr="0" anchor="t" bIns="91425" lIns="91425" rIns="91425" wrap="square" tIns="91425">
+            <a:noAutofit/>
+          </a:bodyPr>
+          <a:lstStyle/>
+          <a:p>
+            <a:pPr lvl="0">
+              <a:spcBef>
+                <a:spcPts val="0"/>
+              </a:spcBef>
+              <a:buNone/>
+            </a:pPr>
+            <a:br>
+              <a:rPr lang="en"/>
+            </a:br>
+            <a:br>
+              <a:rPr lang="en"/>
+            </a:br>
+          </a:p>
+        </p:txBody>
+      </p:sp>
+      <p:sp>
+        <p:nvSpPr>
+          <p:cNvPr id="333" name="Shape 333"/>
           <p:cNvSpPr txBox="1"/>
           <p:nvPr>
             <p:ph idx="12" type="sldNum"/>
@@ -16695,11 +17017,7 @@
               <a:buNone/>
             </a:pPr>
             <a:fld id="{00000000-1234-1234-1234-123412341234}" type="slidenum">
-              <a:rPr lang="en">
-                <a:solidFill>
-                  <a:schemeClr val="dk2"/>
-                </a:solidFill>
-              </a:rPr>
+              <a:rPr lang="en"/>
               <a:t>‹#›</a:t>
             </a:fld>
           </a:p>
@@ -16707,7 +17025,7 @@
       </p:sp>
       <p:pic>
         <p:nvPicPr>
-          <p:cNvPr id="335" name="Shape 335"/>
+          <p:cNvPr id="334" name="Shape 334"/>
           <p:cNvPicPr preferRelativeResize="0"/>
           <p:nvPr/>
         </p:nvPicPr>
@@ -16721,8 +17039,36 @@
         </p:blipFill>
         <p:spPr>
           <a:xfrm>
-            <a:off x="2548078" y="189525"/>
-            <a:ext cx="5448450" cy="4764450"/>
+            <a:off x="5543825" y="598563"/>
+            <a:ext cx="3181350" cy="1400175"/>
+          </a:xfrm>
+          <a:prstGeom prst="rect">
+            <a:avLst/>
+          </a:prstGeom>
+          <a:noFill/>
+          <a:ln>
+            <a:noFill/>
+          </a:ln>
+        </p:spPr>
+      </p:pic>
+      <p:pic>
+        <p:nvPicPr>
+          <p:cNvPr id="335" name="Shape 335"/>
+          <p:cNvPicPr preferRelativeResize="0"/>
+          <p:nvPr/>
+        </p:nvPicPr>
+        <p:blipFill>
+          <a:blip r:embed="rId4">
+            <a:alphaModFix/>
+          </a:blip>
+          <a:stretch>
+            <a:fillRect/>
+          </a:stretch>
+        </p:blipFill>
+        <p:spPr>
+          <a:xfrm>
+            <a:off x="287950" y="2756624"/>
+            <a:ext cx="8551250" cy="2222725"/>
           </a:xfrm>
           <a:prstGeom prst="rect">
             <a:avLst/>
@@ -16763,13 +17109,13 @@
           <p:cNvPr id="340" name="Shape 340"/>
           <p:cNvSpPr txBox="1"/>
           <p:nvPr>
-            <p:ph type="title"/>
+            <p:ph idx="1" type="body"/>
           </p:nvPr>
         </p:nvSpPr>
         <p:spPr>
           <a:xfrm>
-            <a:off x="1303800" y="598575"/>
-            <a:ext cx="7030500" cy="999300"/>
+            <a:off x="1303800" y="4138975"/>
+            <a:ext cx="5843100" cy="534900"/>
           </a:xfrm>
           <a:prstGeom prst="rect">
             <a:avLst/>
@@ -16781,15 +17127,29 @@
           </a:bodyPr>
           <a:lstStyle/>
           <a:p>
-            <a:pPr lvl="0">
-              <a:spcBef>
-                <a:spcPts val="0"/>
-              </a:spcBef>
+            <a:pPr indent="0" lvl="0" marL="0" marR="0" rtl="0" algn="l">
+              <a:lnSpc>
+                <a:spcPct val="100000"/>
+              </a:lnSpc>
+              <a:spcBef>
+                <a:spcPts val="0"/>
+              </a:spcBef>
+              <a:spcAft>
+                <a:spcPts val="0"/>
+              </a:spcAft>
               <a:buNone/>
             </a:pPr>
             <a:r>
-              <a:rPr lang="en"/>
-              <a:t>Now what.	</a:t>
+              <a:rPr b="1" lang="en" sz="2800">
+                <a:solidFill>
+                  <a:schemeClr val="dk2"/>
+                </a:solidFill>
+                <a:latin typeface="Maven Pro"/>
+                <a:ea typeface="Maven Pro"/>
+                <a:cs typeface="Maven Pro"/>
+                <a:sym typeface="Maven Pro"/>
+              </a:rPr>
+              <a:t>R</a:t>
             </a:r>
           </a:p>
         </p:txBody>
@@ -16797,126 +17157,6 @@
       <p:sp>
         <p:nvSpPr>
           <p:cNvPr id="341" name="Shape 341"/>
-          <p:cNvSpPr txBox="1"/>
-          <p:nvPr>
-            <p:ph idx="1" type="body"/>
-          </p:nvPr>
-        </p:nvSpPr>
-        <p:spPr>
-          <a:xfrm>
-            <a:off x="1303800" y="1597875"/>
-            <a:ext cx="7030500" cy="2933700"/>
-          </a:xfrm>
-          <a:prstGeom prst="rect">
-            <a:avLst/>
-          </a:prstGeom>
-        </p:spPr>
-        <p:txBody>
-          <a:bodyPr anchorCtr="0" anchor="t" bIns="91425" lIns="91425" rIns="91425" wrap="square" tIns="91425">
-            <a:noAutofit/>
-          </a:bodyPr>
-          <a:lstStyle/>
-          <a:p>
-            <a:pPr lvl="0">
-              <a:spcBef>
-                <a:spcPts val="0"/>
-              </a:spcBef>
-              <a:buNone/>
-            </a:pPr>
-            <a:r>
-              <a:rPr lang="en"/>
-              <a:t>More Data.... Always more Data.</a:t>
-            </a:r>
-          </a:p>
-          <a:p>
-            <a:pPr indent="-311150" lvl="0" marL="457200" rtl="0">
-              <a:spcBef>
-                <a:spcPts val="0"/>
-              </a:spcBef>
-              <a:buChar char="-"/>
-            </a:pPr>
-            <a:r>
-              <a:rPr lang="en"/>
-              <a:t>More History </a:t>
-            </a:r>
-          </a:p>
-          <a:p>
-            <a:pPr indent="-311150" lvl="0" marL="457200" rtl="0">
-              <a:spcBef>
-                <a:spcPts val="0"/>
-              </a:spcBef>
-              <a:buChar char="-"/>
-            </a:pPr>
-            <a:r>
-              <a:rPr lang="en"/>
-              <a:t>Other Sources</a:t>
-            </a:r>
-          </a:p>
-          <a:p>
-            <a:pPr indent="-298450" lvl="1" marL="914400" rtl="0">
-              <a:spcBef>
-                <a:spcPts val="0"/>
-              </a:spcBef>
-              <a:buChar char="-"/>
-            </a:pPr>
-            <a:r>
-              <a:rPr lang="en"/>
-              <a:t>Student Schedule</a:t>
-            </a:r>
-          </a:p>
-          <a:p>
-            <a:pPr indent="-298450" lvl="1" marL="914400" rtl="0">
-              <a:spcBef>
-                <a:spcPts val="0"/>
-              </a:spcBef>
-              <a:buChar char="-"/>
-            </a:pPr>
-            <a:r>
-              <a:rPr lang="en"/>
-              <a:t>Events (Broncos, Rockies Games)</a:t>
-            </a:r>
-            <a:br>
-              <a:rPr lang="en"/>
-            </a:br>
-            <a:br>
-              <a:rPr lang="en"/>
-            </a:br>
-          </a:p>
-          <a:p>
-            <a:pPr indent="-311150" lvl="0" marL="457200" rtl="0">
-              <a:spcBef>
-                <a:spcPts val="0"/>
-              </a:spcBef>
-              <a:buChar char="-"/>
-            </a:pPr>
-            <a:r>
-              <a:rPr lang="en"/>
-              <a:t>Realistic Scenario.. This would be a far superior/usable model if it was by precinct or neighborhood... and you would need GIS Skills. </a:t>
-            </a:r>
-            <a:br>
-              <a:rPr lang="en"/>
-            </a:br>
-            <a:br>
-              <a:rPr lang="en"/>
-            </a:br>
-          </a:p>
-          <a:p>
-            <a:pPr lvl="0">
-              <a:spcBef>
-                <a:spcPts val="0"/>
-              </a:spcBef>
-              <a:buNone/>
-            </a:pPr>
-            <a:r>
-              <a:t/>
-            </a:r>
-            <a:endParaRPr/>
-          </a:p>
-        </p:txBody>
-      </p:sp>
-      <p:sp>
-        <p:nvSpPr>
-          <p:cNvPr id="342" name="Shape 342"/>
           <p:cNvSpPr txBox="1"/>
           <p:nvPr>
             <p:ph idx="12" type="sldNum"/>
@@ -16944,12 +17184,44 @@
               <a:buNone/>
             </a:pPr>
             <a:fld id="{00000000-1234-1234-1234-123412341234}" type="slidenum">
-              <a:rPr lang="en"/>
+              <a:rPr lang="en">
+                <a:solidFill>
+                  <a:schemeClr val="dk2"/>
+                </a:solidFill>
+              </a:rPr>
               <a:t>‹#›</a:t>
             </a:fld>
           </a:p>
         </p:txBody>
       </p:sp>
+      <p:pic>
+        <p:nvPicPr>
+          <p:cNvPr id="342" name="Shape 342"/>
+          <p:cNvPicPr preferRelativeResize="0"/>
+          <p:nvPr/>
+        </p:nvPicPr>
+        <p:blipFill>
+          <a:blip r:embed="rId3">
+            <a:alphaModFix/>
+          </a:blip>
+          <a:stretch>
+            <a:fillRect/>
+          </a:stretch>
+        </p:blipFill>
+        <p:spPr>
+          <a:xfrm>
+            <a:off x="2548078" y="189525"/>
+            <a:ext cx="5448450" cy="4764450"/>
+          </a:xfrm>
+          <a:prstGeom prst="rect">
+            <a:avLst/>
+          </a:prstGeom>
+          <a:noFill/>
+          <a:ln>
+            <a:noFill/>
+          </a:ln>
+        </p:spPr>
+      </p:pic>
     </p:spTree>
   </p:cSld>
   <p:clrMapOvr>
@@ -16959,6 +17231,285 @@
 </file>
 
 <file path=ppt/theme/theme1.xml><?xml version="1.0" encoding="utf-8"?>
+<a:theme xmlns:a="http://schemas.openxmlformats.org/drawingml/2006/main" xmlns:r="http://schemas.openxmlformats.org/officeDocument/2006/relationships" name="Momentum">
+  <a:themeElements>
+    <a:clrScheme name="Momentum">
+      <a:dk1>
+        <a:srgbClr val="C0791B"/>
+      </a:dk1>
+      <a:lt1>
+        <a:srgbClr val="FFFFFF"/>
+      </a:lt1>
+      <a:dk2>
+        <a:srgbClr val="424242"/>
+      </a:dk2>
+      <a:lt2>
+        <a:srgbClr val="8DD8D3"/>
+      </a:lt2>
+      <a:accent1>
+        <a:srgbClr val="0B6374"/>
+      </a:accent1>
+      <a:accent2>
+        <a:srgbClr val="FD5B58"/>
+      </a:accent2>
+      <a:accent3>
+        <a:srgbClr val="599191"/>
+      </a:accent3>
+      <a:accent4>
+        <a:srgbClr val="D7E6A3"/>
+      </a:accent4>
+      <a:accent5>
+        <a:srgbClr val="27278B"/>
+      </a:accent5>
+      <a:accent6>
+        <a:srgbClr val="D558AB"/>
+      </a:accent6>
+      <a:hlink>
+        <a:srgbClr val="27278B"/>
+      </a:hlink>
+      <a:folHlink>
+        <a:srgbClr val="27278B"/>
+      </a:folHlink>
+    </a:clrScheme>
+    <a:fontScheme name="Office">
+      <a:majorFont>
+        <a:latin typeface="Arial"/>
+        <a:ea typeface=""/>
+        <a:cs typeface=""/>
+        <a:font script="Jpan" typeface="ＭＳ Ｐゴシック"/>
+        <a:font script="Hang" typeface="맑은 고딕"/>
+        <a:font script="Hans" typeface="宋体"/>
+        <a:font script="Hant" typeface="新細明體"/>
+        <a:font script="Arab" typeface="Times New Roman"/>
+        <a:font script="Hebr" typeface="Times New Roman"/>
+        <a:font script="Thai" typeface="Angsana New"/>
+        <a:font script="Ethi" typeface="Nyala"/>
+        <a:font script="Beng" typeface="Vrinda"/>
+        <a:font script="Gujr" typeface="Shruti"/>
+        <a:font script="Khmr" typeface="MoolBoran"/>
+        <a:font script="Knda" typeface="Tunga"/>
+        <a:font script="Guru" typeface="Raavi"/>
+        <a:font script="Cans" typeface="Euphemia"/>
+        <a:font script="Cher" typeface="Plantagenet Cherokee"/>
+        <a:font script="Yiii" typeface="Microsoft Yi Baiti"/>
+        <a:font script="Tibt" typeface="Microsoft Himalaya"/>
+        <a:font script="Thaa" typeface="MV Boli"/>
+        <a:font script="Deva" typeface="Mangal"/>
+        <a:font script="Telu" typeface="Gautami"/>
+        <a:font script="Taml" typeface="Latha"/>
+        <a:font script="Syrc" typeface="Estrangelo Edessa"/>
+        <a:font script="Orya" typeface="Kalinga"/>
+        <a:font script="Mlym" typeface="Kartika"/>
+        <a:font script="Laoo" typeface="DokChampa"/>
+        <a:font script="Sinh" typeface="Iskoola Pota"/>
+        <a:font script="Mong" typeface="Mongolian Baiti"/>
+        <a:font script="Viet" typeface="Times New Roman"/>
+        <a:font script="Uigh" typeface="Microsoft Uighur"/>
+        <a:font script="Geor" typeface="Sylfaen"/>
+      </a:majorFont>
+      <a:minorFont>
+        <a:latin typeface="Arial"/>
+        <a:ea typeface=""/>
+        <a:cs typeface=""/>
+        <a:font script="Jpan" typeface="ＭＳ Ｐゴシック"/>
+        <a:font script="Hang" typeface="맑은 고딕"/>
+        <a:font script="Hans" typeface="宋体"/>
+        <a:font script="Hant" typeface="新細明體"/>
+        <a:font script="Arab" typeface="Arial"/>
+        <a:font script="Hebr" typeface="Arial"/>
+        <a:font script="Thai" typeface="Cordia New"/>
+        <a:font script="Ethi" typeface="Nyala"/>
+        <a:font script="Beng" typeface="Vrinda"/>
+        <a:font script="Gujr" typeface="Shruti"/>
+        <a:font script="Khmr" typeface="DaunPenh"/>
+        <a:font script="Knda" typeface="Tunga"/>
+        <a:font script="Guru" typeface="Raavi"/>
+        <a:font script="Cans" typeface="Euphemia"/>
+        <a:font script="Cher" typeface="Plantagenet Cherokee"/>
+        <a:font script="Yiii" typeface="Microsoft Yi Baiti"/>
+        <a:font script="Tibt" typeface="Microsoft Himalaya"/>
+        <a:font script="Thaa" typeface="MV Boli"/>
+        <a:font script="Deva" typeface="Mangal"/>
+        <a:font script="Telu" typeface="Gautami"/>
+        <a:font script="Taml" typeface="Latha"/>
+        <a:font script="Syrc" typeface="Estrangelo Edessa"/>
+        <a:font script="Orya" typeface="Kalinga"/>
+        <a:font script="Mlym" typeface="Kartika"/>
+        <a:font script="Laoo" typeface="DokChampa"/>
+        <a:font script="Sinh" typeface="Iskoola Pota"/>
+        <a:font script="Mong" typeface="Mongolian Baiti"/>
+        <a:font script="Viet" typeface="Arial"/>
+        <a:font script="Uigh" typeface="Microsoft Uighur"/>
+        <a:font script="Geor" typeface="Sylfaen"/>
+      </a:minorFont>
+    </a:fontScheme>
+    <a:fmtScheme name="Office">
+      <a:fillStyleLst>
+        <a:solidFill>
+          <a:schemeClr val="phClr"/>
+        </a:solidFill>
+        <a:gradFill rotWithShape="1">
+          <a:gsLst>
+            <a:gs pos="0">
+              <a:schemeClr val="phClr">
+                <a:tint val="50000"/>
+                <a:satMod val="300000"/>
+              </a:schemeClr>
+            </a:gs>
+            <a:gs pos="35000">
+              <a:schemeClr val="phClr">
+                <a:tint val="37000"/>
+                <a:satMod val="300000"/>
+              </a:schemeClr>
+            </a:gs>
+            <a:gs pos="100000">
+              <a:schemeClr val="phClr">
+                <a:tint val="15000"/>
+                <a:satMod val="350000"/>
+              </a:schemeClr>
+            </a:gs>
+          </a:gsLst>
+          <a:lin ang="16200000" scaled="1"/>
+        </a:gradFill>
+        <a:gradFill rotWithShape="1">
+          <a:gsLst>
+            <a:gs pos="0">
+              <a:schemeClr val="phClr">
+                <a:tint val="100000"/>
+                <a:shade val="100000"/>
+                <a:satMod val="130000"/>
+              </a:schemeClr>
+            </a:gs>
+            <a:gs pos="100000">
+              <a:schemeClr val="phClr">
+                <a:tint val="50000"/>
+                <a:shade val="100000"/>
+                <a:satMod val="350000"/>
+              </a:schemeClr>
+            </a:gs>
+          </a:gsLst>
+          <a:lin ang="16200000" scaled="0"/>
+        </a:gradFill>
+      </a:fillStyleLst>
+      <a:lnStyleLst>
+        <a:ln w="9525" cap="flat" cmpd="sng" algn="ctr">
+          <a:solidFill>
+            <a:schemeClr val="phClr">
+              <a:shade val="95000"/>
+              <a:satMod val="105000"/>
+            </a:schemeClr>
+          </a:solidFill>
+          <a:prstDash val="solid"/>
+        </a:ln>
+        <a:ln w="25400" cap="flat" cmpd="sng" algn="ctr">
+          <a:solidFill>
+            <a:schemeClr val="phClr"/>
+          </a:solidFill>
+          <a:prstDash val="solid"/>
+        </a:ln>
+        <a:ln w="38100" cap="flat" cmpd="sng" algn="ctr">
+          <a:solidFill>
+            <a:schemeClr val="phClr"/>
+          </a:solidFill>
+          <a:prstDash val="solid"/>
+        </a:ln>
+      </a:lnStyleLst>
+      <a:effectStyleLst>
+        <a:effectStyle>
+          <a:effectLst>
+            <a:outerShdw blurRad="40000" dist="20000" dir="5400000" rotWithShape="0">
+              <a:srgbClr val="000000">
+                <a:alpha val="38000"/>
+              </a:srgbClr>
+            </a:outerShdw>
+          </a:effectLst>
+        </a:effectStyle>
+        <a:effectStyle>
+          <a:effectLst>
+            <a:outerShdw blurRad="40000" dist="23000" dir="5400000" rotWithShape="0">
+              <a:srgbClr val="000000">
+                <a:alpha val="35000"/>
+              </a:srgbClr>
+            </a:outerShdw>
+          </a:effectLst>
+        </a:effectStyle>
+        <a:effectStyle>
+          <a:effectLst>
+            <a:outerShdw blurRad="40000" dist="23000" dir="5400000" rotWithShape="0">
+              <a:srgbClr val="000000">
+                <a:alpha val="35000"/>
+              </a:srgbClr>
+            </a:outerShdw>
+          </a:effectLst>
+          <a:scene3d>
+            <a:camera prst="orthographicFront">
+              <a:rot lat="0" lon="0" rev="0"/>
+            </a:camera>
+            <a:lightRig rig="threePt" dir="t">
+              <a:rot lat="0" lon="0" rev="1200000"/>
+            </a:lightRig>
+          </a:scene3d>
+          <a:sp3d>
+            <a:bevelT w="63500" h="25400"/>
+          </a:sp3d>
+        </a:effectStyle>
+      </a:effectStyleLst>
+      <a:bgFillStyleLst>
+        <a:solidFill>
+          <a:schemeClr val="phClr"/>
+        </a:solidFill>
+        <a:gradFill rotWithShape="1">
+          <a:gsLst>
+            <a:gs pos="0">
+              <a:schemeClr val="phClr">
+                <a:tint val="40000"/>
+                <a:satMod val="350000"/>
+              </a:schemeClr>
+            </a:gs>
+            <a:gs pos="40000">
+              <a:schemeClr val="phClr">
+                <a:tint val="45000"/>
+                <a:shade val="99000"/>
+                <a:satMod val="350000"/>
+              </a:schemeClr>
+            </a:gs>
+            <a:gs pos="100000">
+              <a:schemeClr val="phClr">
+                <a:shade val="20000"/>
+                <a:satMod val="255000"/>
+              </a:schemeClr>
+            </a:gs>
+          </a:gsLst>
+          <a:path path="circle">
+            <a:fillToRect l="50000" t="-80000" r="50000" b="180000"/>
+          </a:path>
+        </a:gradFill>
+        <a:gradFill rotWithShape="1">
+          <a:gsLst>
+            <a:gs pos="0">
+              <a:schemeClr val="phClr">
+                <a:tint val="80000"/>
+                <a:satMod val="300000"/>
+              </a:schemeClr>
+            </a:gs>
+            <a:gs pos="100000">
+              <a:schemeClr val="phClr">
+                <a:shade val="30000"/>
+                <a:satMod val="200000"/>
+              </a:schemeClr>
+            </a:gs>
+          </a:gsLst>
+          <a:path path="circle">
+            <a:fillToRect l="50000" t="50000" r="50000" b="50000"/>
+          </a:path>
+        </a:gradFill>
+      </a:bgFillStyleLst>
+    </a:fmtScheme>
+  </a:themeElements>
+</a:theme>
+</file>
+
+<file path=ppt/theme/theme2.xml><?xml version="1.0" encoding="utf-8"?>
 <a:theme xmlns:a="http://schemas.openxmlformats.org/drawingml/2006/main" xmlns:r="http://schemas.openxmlformats.org/officeDocument/2006/relationships" name="Custom Theme">
   <a:themeElements>
     <a:clrScheme name="Default">
@@ -17235,283 +17786,4 @@
     </a:fmtScheme>
   </a:themeElements>
 </a:theme>
-</file>
-
-<file path=ppt/theme/theme2.xml><?xml version="1.0" encoding="utf-8"?>
-<a:theme xmlns:a="http://schemas.openxmlformats.org/drawingml/2006/main" xmlns:r="http://schemas.openxmlformats.org/officeDocument/2006/relationships" name="Momentum">
-  <a:themeElements>
-    <a:clrScheme name="Momentum">
-      <a:dk1>
-        <a:srgbClr val="C0791B"/>
-      </a:dk1>
-      <a:lt1>
-        <a:srgbClr val="FFFFFF"/>
-      </a:lt1>
-      <a:dk2>
-        <a:srgbClr val="424242"/>
-      </a:dk2>
-      <a:lt2>
-        <a:srgbClr val="8DD8D3"/>
-      </a:lt2>
-      <a:accent1>
-        <a:srgbClr val="0B6374"/>
-      </a:accent1>
-      <a:accent2>
-        <a:srgbClr val="FD5B58"/>
-      </a:accent2>
-      <a:accent3>
-        <a:srgbClr val="599191"/>
-      </a:accent3>
-      <a:accent4>
-        <a:srgbClr val="D7E6A3"/>
-      </a:accent4>
-      <a:accent5>
-        <a:srgbClr val="27278B"/>
-      </a:accent5>
-      <a:accent6>
-        <a:srgbClr val="D558AB"/>
-      </a:accent6>
-      <a:hlink>
-        <a:srgbClr val="27278B"/>
-      </a:hlink>
-      <a:folHlink>
-        <a:srgbClr val="27278B"/>
-      </a:folHlink>
-    </a:clrScheme>
-    <a:fontScheme name="Office">
-      <a:majorFont>
-        <a:latin typeface="Arial"/>
-        <a:ea typeface=""/>
-        <a:cs typeface=""/>
-        <a:font script="Jpan" typeface="ＭＳ Ｐゴシック"/>
-        <a:font script="Hang" typeface="맑은 고딕"/>
-        <a:font script="Hans" typeface="宋体"/>
-        <a:font script="Hant" typeface="新細明體"/>
-        <a:font script="Arab" typeface="Times New Roman"/>
-        <a:font script="Hebr" typeface="Times New Roman"/>
-        <a:font script="Thai" typeface="Angsana New"/>
-        <a:font script="Ethi" typeface="Nyala"/>
-        <a:font script="Beng" typeface="Vrinda"/>
-        <a:font script="Gujr" typeface="Shruti"/>
-        <a:font script="Khmr" typeface="MoolBoran"/>
-        <a:font script="Knda" typeface="Tunga"/>
-        <a:font script="Guru" typeface="Raavi"/>
-        <a:font script="Cans" typeface="Euphemia"/>
-        <a:font script="Cher" typeface="Plantagenet Cherokee"/>
-        <a:font script="Yiii" typeface="Microsoft Yi Baiti"/>
-        <a:font script="Tibt" typeface="Microsoft Himalaya"/>
-        <a:font script="Thaa" typeface="MV Boli"/>
-        <a:font script="Deva" typeface="Mangal"/>
-        <a:font script="Telu" typeface="Gautami"/>
-        <a:font script="Taml" typeface="Latha"/>
-        <a:font script="Syrc" typeface="Estrangelo Edessa"/>
-        <a:font script="Orya" typeface="Kalinga"/>
-        <a:font script="Mlym" typeface="Kartika"/>
-        <a:font script="Laoo" typeface="DokChampa"/>
-        <a:font script="Sinh" typeface="Iskoola Pota"/>
-        <a:font script="Mong" typeface="Mongolian Baiti"/>
-        <a:font script="Viet" typeface="Times New Roman"/>
-        <a:font script="Uigh" typeface="Microsoft Uighur"/>
-        <a:font script="Geor" typeface="Sylfaen"/>
-      </a:majorFont>
-      <a:minorFont>
-        <a:latin typeface="Arial"/>
-        <a:ea typeface=""/>
-        <a:cs typeface=""/>
-        <a:font script="Jpan" typeface="ＭＳ Ｐゴシック"/>
-        <a:font script="Hang" typeface="맑은 고딕"/>
-        <a:font script="Hans" typeface="宋体"/>
-        <a:font script="Hant" typeface="新細明體"/>
-        <a:font script="Arab" typeface="Arial"/>
-        <a:font script="Hebr" typeface="Arial"/>
-        <a:font script="Thai" typeface="Cordia New"/>
-        <a:font script="Ethi" typeface="Nyala"/>
-        <a:font script="Beng" typeface="Vrinda"/>
-        <a:font script="Gujr" typeface="Shruti"/>
-        <a:font script="Khmr" typeface="DaunPenh"/>
-        <a:font script="Knda" typeface="Tunga"/>
-        <a:font script="Guru" typeface="Raavi"/>
-        <a:font script="Cans" typeface="Euphemia"/>
-        <a:font script="Cher" typeface="Plantagenet Cherokee"/>
-        <a:font script="Yiii" typeface="Microsoft Yi Baiti"/>
-        <a:font script="Tibt" typeface="Microsoft Himalaya"/>
-        <a:font script="Thaa" typeface="MV Boli"/>
-        <a:font script="Deva" typeface="Mangal"/>
-        <a:font script="Telu" typeface="Gautami"/>
-        <a:font script="Taml" typeface="Latha"/>
-        <a:font script="Syrc" typeface="Estrangelo Edessa"/>
-        <a:font script="Orya" typeface="Kalinga"/>
-        <a:font script="Mlym" typeface="Kartika"/>
-        <a:font script="Laoo" typeface="DokChampa"/>
-        <a:font script="Sinh" typeface="Iskoola Pota"/>
-        <a:font script="Mong" typeface="Mongolian Baiti"/>
-        <a:font script="Viet" typeface="Arial"/>
-        <a:font script="Uigh" typeface="Microsoft Uighur"/>
-        <a:font script="Geor" typeface="Sylfaen"/>
-      </a:minorFont>
-    </a:fontScheme>
-    <a:fmtScheme name="Office">
-      <a:fillStyleLst>
-        <a:solidFill>
-          <a:schemeClr val="phClr"/>
-        </a:solidFill>
-        <a:gradFill rotWithShape="1">
-          <a:gsLst>
-            <a:gs pos="0">
-              <a:schemeClr val="phClr">
-                <a:tint val="50000"/>
-                <a:satMod val="300000"/>
-              </a:schemeClr>
-            </a:gs>
-            <a:gs pos="35000">
-              <a:schemeClr val="phClr">
-                <a:tint val="37000"/>
-                <a:satMod val="300000"/>
-              </a:schemeClr>
-            </a:gs>
-            <a:gs pos="100000">
-              <a:schemeClr val="phClr">
-                <a:tint val="15000"/>
-                <a:satMod val="350000"/>
-              </a:schemeClr>
-            </a:gs>
-          </a:gsLst>
-          <a:lin ang="16200000" scaled="1"/>
-        </a:gradFill>
-        <a:gradFill rotWithShape="1">
-          <a:gsLst>
-            <a:gs pos="0">
-              <a:schemeClr val="phClr">
-                <a:tint val="100000"/>
-                <a:shade val="100000"/>
-                <a:satMod val="130000"/>
-              </a:schemeClr>
-            </a:gs>
-            <a:gs pos="100000">
-              <a:schemeClr val="phClr">
-                <a:tint val="50000"/>
-                <a:shade val="100000"/>
-                <a:satMod val="350000"/>
-              </a:schemeClr>
-            </a:gs>
-          </a:gsLst>
-          <a:lin ang="16200000" scaled="0"/>
-        </a:gradFill>
-      </a:fillStyleLst>
-      <a:lnStyleLst>
-        <a:ln w="9525" cap="flat" cmpd="sng" algn="ctr">
-          <a:solidFill>
-            <a:schemeClr val="phClr">
-              <a:shade val="95000"/>
-              <a:satMod val="105000"/>
-            </a:schemeClr>
-          </a:solidFill>
-          <a:prstDash val="solid"/>
-        </a:ln>
-        <a:ln w="25400" cap="flat" cmpd="sng" algn="ctr">
-          <a:solidFill>
-            <a:schemeClr val="phClr"/>
-          </a:solidFill>
-          <a:prstDash val="solid"/>
-        </a:ln>
-        <a:ln w="38100" cap="flat" cmpd="sng" algn="ctr">
-          <a:solidFill>
-            <a:schemeClr val="phClr"/>
-          </a:solidFill>
-          <a:prstDash val="solid"/>
-        </a:ln>
-      </a:lnStyleLst>
-      <a:effectStyleLst>
-        <a:effectStyle>
-          <a:effectLst>
-            <a:outerShdw blurRad="40000" dist="20000" dir="5400000" rotWithShape="0">
-              <a:srgbClr val="000000">
-                <a:alpha val="38000"/>
-              </a:srgbClr>
-            </a:outerShdw>
-          </a:effectLst>
-        </a:effectStyle>
-        <a:effectStyle>
-          <a:effectLst>
-            <a:outerShdw blurRad="40000" dist="23000" dir="5400000" rotWithShape="0">
-              <a:srgbClr val="000000">
-                <a:alpha val="35000"/>
-              </a:srgbClr>
-            </a:outerShdw>
-          </a:effectLst>
-        </a:effectStyle>
-        <a:effectStyle>
-          <a:effectLst>
-            <a:outerShdw blurRad="40000" dist="23000" dir="5400000" rotWithShape="0">
-              <a:srgbClr val="000000">
-                <a:alpha val="35000"/>
-              </a:srgbClr>
-            </a:outerShdw>
-          </a:effectLst>
-          <a:scene3d>
-            <a:camera prst="orthographicFront">
-              <a:rot lat="0" lon="0" rev="0"/>
-            </a:camera>
-            <a:lightRig rig="threePt" dir="t">
-              <a:rot lat="0" lon="0" rev="1200000"/>
-            </a:lightRig>
-          </a:scene3d>
-          <a:sp3d>
-            <a:bevelT w="63500" h="25400"/>
-          </a:sp3d>
-        </a:effectStyle>
-      </a:effectStyleLst>
-      <a:bgFillStyleLst>
-        <a:solidFill>
-          <a:schemeClr val="phClr"/>
-        </a:solidFill>
-        <a:gradFill rotWithShape="1">
-          <a:gsLst>
-            <a:gs pos="0">
-              <a:schemeClr val="phClr">
-                <a:tint val="40000"/>
-                <a:satMod val="350000"/>
-              </a:schemeClr>
-            </a:gs>
-            <a:gs pos="40000">
-              <a:schemeClr val="phClr">
-                <a:tint val="45000"/>
-                <a:shade val="99000"/>
-                <a:satMod val="350000"/>
-              </a:schemeClr>
-            </a:gs>
-            <a:gs pos="100000">
-              <a:schemeClr val="phClr">
-                <a:shade val="20000"/>
-                <a:satMod val="255000"/>
-              </a:schemeClr>
-            </a:gs>
-          </a:gsLst>
-          <a:path path="circle">
-            <a:fillToRect l="50000" t="-80000" r="50000" b="180000"/>
-          </a:path>
-        </a:gradFill>
-        <a:gradFill rotWithShape="1">
-          <a:gsLst>
-            <a:gs pos="0">
-              <a:schemeClr val="phClr">
-                <a:tint val="80000"/>
-                <a:satMod val="300000"/>
-              </a:schemeClr>
-            </a:gs>
-            <a:gs pos="100000">
-              <a:schemeClr val="phClr">
-                <a:shade val="30000"/>
-                <a:satMod val="200000"/>
-              </a:schemeClr>
-            </a:gs>
-          </a:gsLst>
-          <a:path path="circle">
-            <a:fillToRect l="50000" t="50000" r="50000" b="50000"/>
-          </a:path>
-        </a:gradFill>
-      </a:bgFillStyleLst>
-    </a:fmtScheme>
-  </a:themeElements>
-</a:theme>
 </file>
--- a/ML with R and Azure.pptx
+++ b/ML with R and Azure.pptx
@@ -1173,9 +1173,9 @@
               <a:buNone/>
             </a:pPr>
             <a:r>
-              <a:t/>
+              <a:rPr lang="en"/>
+              <a:t>Slides from OSM State of the Map.. Notice the title and the last slide..of the first one... The second one is mostly Facebook engineers... at least 50 people.</a:t>
             </a:r>
-            <a:endParaRPr/>
           </a:p>
         </p:txBody>
       </p:sp>
@@ -2142,19 +2142,7 @@
             </a:pPr>
             <a:r>
               <a:rPr lang="en"/>
-              <a:t>R is THE Standard. But I used Classification tutorials and tried to convert them to my linear needs.. Perhaps if I’d started w/ a linear tutorial. (My Rsquared is very bad)</a:t>
-            </a:r>
-          </a:p>
-          <a:p>
-            <a:pPr lvl="0">
-              <a:spcBef>
-                <a:spcPts val="0"/>
-              </a:spcBef>
-              <a:buNone/>
-            </a:pPr>
-            <a:r>
-              <a:rPr lang="en"/>
-              <a:t>ArcGIS and Azure both offer options to pull in R scripts.</a:t>
+              <a:t>R is THE Standard. But I used Classification tutorials and tried to convert them to my linear needs.. Perhaps if I’d started w/ a linear tutorial.ArcGIS and Azure both offer options to pull in R scripts.</a:t>
             </a:r>
           </a:p>
           <a:p>
@@ -14527,6 +14515,7 @@
               <a:spcAft>
                 <a:spcPts val="0"/>
               </a:spcAft>
+              <a:buSzPct val="100000"/>
               <a:buChar char="-"/>
             </a:pPr>
             <a:r>
@@ -14542,6 +14531,7 @@
               <a:spcAft>
                 <a:spcPts val="0"/>
               </a:spcAft>
+              <a:buSzPct val="100000"/>
               <a:buChar char="-"/>
             </a:pPr>
             <a:r>
@@ -14557,6 +14547,7 @@
               <a:spcAft>
                 <a:spcPts val="0"/>
               </a:spcAft>
+              <a:buSzPct val="100000"/>
               <a:buChar char="-"/>
             </a:pPr>
             <a:r>
@@ -14572,11 +14563,12 @@
               <a:spcAft>
                 <a:spcPts val="0"/>
               </a:spcAft>
+              <a:buSzPct val="100000"/>
               <a:buChar char="-"/>
             </a:pPr>
             <a:r>
               <a:rPr lang="en"/>
-              <a:t>Events (Broncos, Rockies Games)</a:t>
+              <a:t>Events (Broncos, Rockies Games, Concerts, Raves)</a:t>
             </a:r>
             <a:br>
               <a:rPr lang="en"/>
@@ -14590,6 +14582,7 @@
               <a:spcBef>
                 <a:spcPts val="0"/>
               </a:spcBef>
+              <a:buSzPct val="100000"/>
               <a:buChar char="-"/>
             </a:pPr>
             <a:r>
@@ -14927,6 +14920,40 @@
               </a:rPr>
               <a:t> </a:t>
             </a:r>
+          </a:p>
+          <a:p>
+            <a:pPr lvl="0" rtl="0" algn="l">
+              <a:lnSpc>
+                <a:spcPct val="100000"/>
+              </a:lnSpc>
+              <a:spcBef>
+                <a:spcPts val="0"/>
+              </a:spcBef>
+              <a:buNone/>
+            </a:pPr>
+            <a:r>
+              <a:t/>
+            </a:r>
+            <a:endParaRPr sz="1800" u="sng">
+              <a:solidFill>
+                <a:schemeClr val="hlink"/>
+              </a:solidFill>
+              <a:latin typeface="Calibri"/>
+              <a:ea typeface="Calibri"/>
+              <a:cs typeface="Calibri"/>
+              <a:sym typeface="Calibri"/>
+            </a:endParaRPr>
+          </a:p>
+          <a:p>
+            <a:pPr lvl="0" rtl="0" algn="l">
+              <a:lnSpc>
+                <a:spcPct val="100000"/>
+              </a:lnSpc>
+              <a:spcBef>
+                <a:spcPts val="0"/>
+              </a:spcBef>
+              <a:buNone/>
+            </a:pPr>
             <a:br>
               <a:rPr lang="en" sz="1800" u="sng">
                 <a:solidFill>
@@ -15113,41 +15140,6 @@
                   <a:srgbClr val="000000"/>
                 </a:solidFill>
               </a:rPr>
-              <a:t>Which Algorithm</a:t>
-            </a:r>
-            <a:r>
-              <a:rPr lang="en" sz="900">
-                <a:solidFill>
-                  <a:srgbClr val="000000"/>
-                </a:solidFill>
-              </a:rPr>
-              <a:t>:  </a:t>
-            </a:r>
-            <a:r>
-              <a:rPr lang="en" sz="900" u="sng">
-                <a:solidFill>
-                  <a:schemeClr val="hlink"/>
-                </a:solidFill>
-              </a:rPr>
-              <a:t>https://blog.statsbot.co/machine-learning-algorithms-183cc73197c</a:t>
-            </a:r>
-          </a:p>
-          <a:p>
-            <a:pPr lvl="0" rtl="0" algn="l">
-              <a:lnSpc>
-                <a:spcPct val="100000"/>
-              </a:lnSpc>
-              <a:spcBef>
-                <a:spcPts val="0"/>
-              </a:spcBef>
-              <a:buNone/>
-            </a:pPr>
-            <a:r>
-              <a:rPr b="1" lang="en" sz="900">
-                <a:solidFill>
-                  <a:srgbClr val="000000"/>
-                </a:solidFill>
-              </a:rPr>
               <a:t>Denver Crime Stats Home : </a:t>
             </a:r>
             <a:r>
@@ -15262,7 +15254,7 @@
         </p:blipFill>
         <p:spPr>
           <a:xfrm>
-            <a:off x="6858950" y="2128575"/>
+            <a:off x="4972775" y="1717750"/>
             <a:ext cx="1804775" cy="543100"/>
           </a:xfrm>
           <a:prstGeom prst="rect">
@@ -15290,7 +15282,7 @@
         </p:blipFill>
         <p:spPr>
           <a:xfrm>
-            <a:off x="5986275" y="541175"/>
+            <a:off x="362550" y="1775450"/>
             <a:ext cx="2891826" cy="485400"/>
           </a:xfrm>
           <a:prstGeom prst="rect">
@@ -15369,24 +15361,16 @@
                   <a:srgbClr val="000000"/>
                 </a:solidFill>
               </a:rPr>
-              <a:t>Linksgm</a:t>
+              <a:t>More </a:t>
             </a:r>
-          </a:p>
-          <a:p>
-            <a:pPr lvl="0">
-              <a:spcBef>
-                <a:spcPts val="0"/>
-              </a:spcBef>
-              <a:buNone/>
-            </a:pPr>
             <a:r>
-              <a:t/>
+              <a:rPr lang="en" sz="2400">
+                <a:solidFill>
+                  <a:srgbClr val="000000"/>
+                </a:solidFill>
+              </a:rPr>
+              <a:t>Links</a:t>
             </a:r>
-            <a:endParaRPr sz="2400">
-              <a:solidFill>
-                <a:srgbClr val="000000"/>
-              </a:solidFill>
-            </a:endParaRPr>
           </a:p>
         </p:txBody>
       </p:sp>
@@ -15454,6 +15438,41 @@
                 </a:solidFill>
               </a:rPr>
               <a:t> </a:t>
+            </a:r>
+          </a:p>
+          <a:p>
+            <a:pPr lvl="0" rtl="0" algn="l">
+              <a:lnSpc>
+                <a:spcPct val="100000"/>
+              </a:lnSpc>
+              <a:spcBef>
+                <a:spcPts val="0"/>
+              </a:spcBef>
+              <a:buNone/>
+            </a:pPr>
+            <a:r>
+              <a:rPr b="1" lang="en" sz="900">
+                <a:solidFill>
+                  <a:srgbClr val="000000"/>
+                </a:solidFill>
+              </a:rPr>
+              <a:t>Which Algorithm</a:t>
+            </a:r>
+            <a:r>
+              <a:rPr lang="en" sz="900">
+                <a:solidFill>
+                  <a:srgbClr val="000000"/>
+                </a:solidFill>
+              </a:rPr>
+              <a:t>:  </a:t>
+            </a:r>
+            <a:r>
+              <a:rPr lang="en" sz="900" u="sng">
+                <a:solidFill>
+                  <a:schemeClr val="accent5"/>
+                </a:solidFill>
+              </a:rPr>
+              <a:t>https://blog.statsbot.co/machine-learning-algorithms-183cc73197c</a:t>
             </a:r>
           </a:p>
           <a:p>
@@ -15911,8 +15930,8 @@
               <a:buNone/>
             </a:pPr>
             <a:r>
-              <a:rPr lang="en"/>
-              <a:t>Most Data Science is presented as so hard it’s unusable w/o a huge team </a:t>
+              <a:rPr lang="en" sz="2600"/>
+              <a:t>Most Data Science is presented as so hard it’s unusable w/o a huge team of PHDs</a:t>
             </a:r>
           </a:p>
         </p:txBody>
